--- a/review I.pptx
+++ b/review I.pptx
@@ -19,6 +19,19 @@
     <p:sldId id="265" r:id="rId13"/>
     <p:sldId id="266" r:id="rId14"/>
     <p:sldId id="271" r:id="rId15"/>
+    <p:sldId id="273" r:id="rId16"/>
+    <p:sldId id="274" r:id="rId17"/>
+    <p:sldId id="275" r:id="rId18"/>
+    <p:sldId id="276" r:id="rId19"/>
+    <p:sldId id="277" r:id="rId20"/>
+    <p:sldId id="278" r:id="rId21"/>
+    <p:sldId id="279" r:id="rId22"/>
+    <p:sldId id="280" r:id="rId23"/>
+    <p:sldId id="281" r:id="rId24"/>
+    <p:sldId id="282" r:id="rId25"/>
+    <p:sldId id="283" r:id="rId26"/>
+    <p:sldId id="284" r:id="rId27"/>
+    <p:sldId id="285" r:id="rId28"/>
   </p:sldIdLst>
   <p:sldSz cx="12192000" cy="6858000"/>
   <p:notesSz cx="6858000" cy="9144000"/>
@@ -272,7 +285,7 @@
           <a:p>
             <a:fld id="{1F428704-6BB7-485B-B1F4-23FA6B19E7F7}" type="datetimeFigureOut">
               <a:rPr lang="en-US" smtClean="0"/>
-              <a:t>2/17/2025</a:t>
+              <a:t>3/26/2025</a:t>
             </a:fld>
             <a:endParaRPr lang="en-US"/>
           </a:p>
@@ -470,7 +483,7 @@
           <a:p>
             <a:fld id="{1F428704-6BB7-485B-B1F4-23FA6B19E7F7}" type="datetimeFigureOut">
               <a:rPr lang="en-US" smtClean="0"/>
-              <a:t>2/17/2025</a:t>
+              <a:t>3/26/2025</a:t>
             </a:fld>
             <a:endParaRPr lang="en-US"/>
           </a:p>
@@ -678,7 +691,7 @@
           <a:p>
             <a:fld id="{1F428704-6BB7-485B-B1F4-23FA6B19E7F7}" type="datetimeFigureOut">
               <a:rPr lang="en-US" smtClean="0"/>
-              <a:t>2/17/2025</a:t>
+              <a:t>3/26/2025</a:t>
             </a:fld>
             <a:endParaRPr lang="en-US"/>
           </a:p>
@@ -876,7 +889,7 @@
           <a:p>
             <a:fld id="{1F428704-6BB7-485B-B1F4-23FA6B19E7F7}" type="datetimeFigureOut">
               <a:rPr lang="en-US" smtClean="0"/>
-              <a:t>2/17/2025</a:t>
+              <a:t>3/26/2025</a:t>
             </a:fld>
             <a:endParaRPr lang="en-US"/>
           </a:p>
@@ -1151,7 +1164,7 @@
           <a:p>
             <a:fld id="{1F428704-6BB7-485B-B1F4-23FA6B19E7F7}" type="datetimeFigureOut">
               <a:rPr lang="en-US" smtClean="0"/>
-              <a:t>2/17/2025</a:t>
+              <a:t>3/26/2025</a:t>
             </a:fld>
             <a:endParaRPr lang="en-US"/>
           </a:p>
@@ -1416,7 +1429,7 @@
           <a:p>
             <a:fld id="{1F428704-6BB7-485B-B1F4-23FA6B19E7F7}" type="datetimeFigureOut">
               <a:rPr lang="en-US" smtClean="0"/>
-              <a:t>2/17/2025</a:t>
+              <a:t>3/26/2025</a:t>
             </a:fld>
             <a:endParaRPr lang="en-US"/>
           </a:p>
@@ -1828,7 +1841,7 @@
           <a:p>
             <a:fld id="{1F428704-6BB7-485B-B1F4-23FA6B19E7F7}" type="datetimeFigureOut">
               <a:rPr lang="en-US" smtClean="0"/>
-              <a:t>2/17/2025</a:t>
+              <a:t>3/26/2025</a:t>
             </a:fld>
             <a:endParaRPr lang="en-US"/>
           </a:p>
@@ -1969,7 +1982,7 @@
           <a:p>
             <a:fld id="{1F428704-6BB7-485B-B1F4-23FA6B19E7F7}" type="datetimeFigureOut">
               <a:rPr lang="en-US" smtClean="0"/>
-              <a:t>2/17/2025</a:t>
+              <a:t>3/26/2025</a:t>
             </a:fld>
             <a:endParaRPr lang="en-US"/>
           </a:p>
@@ -2082,7 +2095,7 @@
           <a:p>
             <a:fld id="{1F428704-6BB7-485B-B1F4-23FA6B19E7F7}" type="datetimeFigureOut">
               <a:rPr lang="en-US" smtClean="0"/>
-              <a:t>2/17/2025</a:t>
+              <a:t>3/26/2025</a:t>
             </a:fld>
             <a:endParaRPr lang="en-US"/>
           </a:p>
@@ -2393,7 +2406,7 @@
           <a:p>
             <a:fld id="{1F428704-6BB7-485B-B1F4-23FA6B19E7F7}" type="datetimeFigureOut">
               <a:rPr lang="en-US" smtClean="0"/>
-              <a:t>2/17/2025</a:t>
+              <a:t>3/26/2025</a:t>
             </a:fld>
             <a:endParaRPr lang="en-US"/>
           </a:p>
@@ -2681,7 +2694,7 @@
           <a:p>
             <a:fld id="{1F428704-6BB7-485B-B1F4-23FA6B19E7F7}" type="datetimeFigureOut">
               <a:rPr lang="en-US" smtClean="0"/>
-              <a:t>2/17/2025</a:t>
+              <a:t>3/26/2025</a:t>
             </a:fld>
             <a:endParaRPr lang="en-US"/>
           </a:p>
@@ -2922,7 +2935,7 @@
           <a:p>
             <a:fld id="{1F428704-6BB7-485B-B1F4-23FA6B19E7F7}" type="datetimeFigureOut">
               <a:rPr lang="en-US" smtClean="0"/>
-              <a:t>2/17/2025</a:t>
+              <a:t>3/26/2025</a:t>
             </a:fld>
             <a:endParaRPr lang="en-US"/>
           </a:p>
@@ -3564,7 +3577,12 @@
             <p:ph type="title"/>
           </p:nvPr>
         </p:nvSpPr>
-        <p:spPr/>
+        <p:spPr>
+          <a:xfrm>
+            <a:off x="838200" y="348941"/>
+            <a:ext cx="10515600" cy="1325563"/>
+          </a:xfrm>
+        </p:spPr>
         <p:txBody>
           <a:bodyPr/>
           <a:lstStyle/>
@@ -3575,6 +3593,45 @@
                 <a:cs typeface="Times New Roman" panose="02020603050405020304" pitchFamily="18" charset="0"/>
               </a:rPr>
               <a:t>SIGN UP PAGE</a:t>
+            </a:r>
+          </a:p>
+        </p:txBody>
+      </p:sp>
+      <p:sp>
+        <p:nvSpPr>
+          <p:cNvPr id="3" name="Content Placeholder 2">
+            <a:extLst>
+              <a:ext uri="{FF2B5EF4-FFF2-40B4-BE49-F238E27FC236}">
+                <a16:creationId xmlns:a16="http://schemas.microsoft.com/office/drawing/2014/main" id="{1238B15D-EFB9-4A56-90C9-78394122845E}"/>
+              </a:ext>
+            </a:extLst>
+          </p:cNvPr>
+          <p:cNvSpPr>
+            <a:spLocks noGrp="1"/>
+          </p:cNvSpPr>
+          <p:nvPr>
+            <p:ph idx="1"/>
+          </p:nvPr>
+        </p:nvSpPr>
+        <p:spPr>
+          <a:xfrm>
+            <a:off x="838200" y="1488935"/>
+            <a:ext cx="10515600" cy="4688028"/>
+          </a:xfrm>
+        </p:spPr>
+        <p:txBody>
+          <a:bodyPr/>
+          <a:lstStyle/>
+          <a:p>
+            <a:pPr marL="0" indent="0">
+              <a:buNone/>
+            </a:pPr>
+            <a:r>
+              <a:rPr lang="en-US" sz="2600" dirty="0">
+                <a:latin typeface="Times New Roman" panose="02020603050405020304" pitchFamily="18" charset="0"/>
+                <a:cs typeface="Times New Roman" panose="02020603050405020304" pitchFamily="18" charset="0"/>
+              </a:rPr>
+              <a:t>To create a user account to use the web application .</a:t>
             </a:r>
           </a:p>
         </p:txBody>
@@ -3601,8 +3658,8 @@
         </p:blipFill>
         <p:spPr>
           <a:xfrm>
-            <a:off x="606903" y="1690687"/>
-            <a:ext cx="11069903" cy="4556364"/>
+            <a:off x="937253" y="2184850"/>
+            <a:ext cx="10359227" cy="3827532"/>
           </a:xfrm>
           <a:prstGeom prst="rect">
             <a:avLst/>
@@ -3767,7 +3824,12 @@
             <p:ph type="title"/>
           </p:nvPr>
         </p:nvSpPr>
-        <p:spPr/>
+        <p:spPr>
+          <a:xfrm>
+            <a:off x="838200" y="365125"/>
+            <a:ext cx="10515600" cy="1067165"/>
+          </a:xfrm>
+        </p:spPr>
         <p:txBody>
           <a:bodyPr/>
           <a:lstStyle/>
@@ -3778,6 +3840,45 @@
                 <a:cs typeface="Times New Roman" panose="02020603050405020304" pitchFamily="18" charset="0"/>
               </a:rPr>
               <a:t>UPDATE PASSWORD  </a:t>
+            </a:r>
+          </a:p>
+        </p:txBody>
+      </p:sp>
+      <p:sp>
+        <p:nvSpPr>
+          <p:cNvPr id="3" name="Content Placeholder 2">
+            <a:extLst>
+              <a:ext uri="{FF2B5EF4-FFF2-40B4-BE49-F238E27FC236}">
+                <a16:creationId xmlns:a16="http://schemas.microsoft.com/office/drawing/2014/main" id="{65CEB892-1B40-4702-9A04-2376052A978B}"/>
+              </a:ext>
+            </a:extLst>
+          </p:cNvPr>
+          <p:cNvSpPr>
+            <a:spLocks noGrp="1"/>
+          </p:cNvSpPr>
+          <p:nvPr>
+            <p:ph idx="1"/>
+          </p:nvPr>
+        </p:nvSpPr>
+        <p:spPr>
+          <a:xfrm>
+            <a:off x="838200" y="1432290"/>
+            <a:ext cx="10515600" cy="4744673"/>
+          </a:xfrm>
+        </p:spPr>
+        <p:txBody>
+          <a:bodyPr/>
+          <a:lstStyle/>
+          <a:p>
+            <a:pPr marL="0" indent="0">
+              <a:buNone/>
+            </a:pPr>
+            <a:r>
+              <a:rPr lang="en-US" sz="2600" dirty="0">
+                <a:latin typeface="Times New Roman" panose="02020603050405020304" pitchFamily="18" charset="0"/>
+                <a:cs typeface="Times New Roman" panose="02020603050405020304" pitchFamily="18" charset="0"/>
+              </a:rPr>
+              <a:t>To change the old password in case user forgot it.</a:t>
             </a:r>
           </a:p>
         </p:txBody>
@@ -3804,8 +3905,8 @@
         </p:blipFill>
         <p:spPr>
           <a:xfrm>
-            <a:off x="517891" y="1611933"/>
-            <a:ext cx="11118456" cy="4709969"/>
+            <a:off x="888438" y="1990641"/>
+            <a:ext cx="10415124" cy="4186322"/>
           </a:xfrm>
           <a:prstGeom prst="rect">
             <a:avLst/>
@@ -3897,6 +3998,639 @@
 </p:sld>
 </file>
 
+<file path=ppt/slides/slide15.xml><?xml version="1.0" encoding="utf-8"?>
+<p:sld xmlns:a="http://schemas.openxmlformats.org/drawingml/2006/main" xmlns:r="http://schemas.openxmlformats.org/officeDocument/2006/relationships" xmlns:p="http://schemas.openxmlformats.org/presentationml/2006/main">
+  <p:cSld>
+    <p:spTree>
+      <p:nvGrpSpPr>
+        <p:cNvPr id="1" name=""/>
+        <p:cNvGrpSpPr/>
+        <p:nvPr/>
+      </p:nvGrpSpPr>
+      <p:grpSpPr>
+        <a:xfrm>
+          <a:off x="0" y="0"/>
+          <a:ext cx="0" cy="0"/>
+          <a:chOff x="0" y="0"/>
+          <a:chExt cx="0" cy="0"/>
+        </a:xfrm>
+      </p:grpSpPr>
+      <p:sp>
+        <p:nvSpPr>
+          <p:cNvPr id="2" name="Title 1">
+            <a:extLst>
+              <a:ext uri="{FF2B5EF4-FFF2-40B4-BE49-F238E27FC236}">
+                <a16:creationId xmlns:a16="http://schemas.microsoft.com/office/drawing/2014/main" id="{3CCBACE0-6E95-4EBD-830A-954E1655A4DA}"/>
+              </a:ext>
+            </a:extLst>
+          </p:cNvPr>
+          <p:cNvSpPr>
+            <a:spLocks noGrp="1"/>
+          </p:cNvSpPr>
+          <p:nvPr>
+            <p:ph type="ctrTitle"/>
+          </p:nvPr>
+        </p:nvSpPr>
+        <p:spPr/>
+        <p:txBody>
+          <a:bodyPr>
+            <a:normAutofit fontScale="90000"/>
+          </a:bodyPr>
+          <a:lstStyle/>
+          <a:p>
+            <a:r>
+              <a:rPr lang="en-US" sz="6000" dirty="0"/>
+              <a:t>M.S.P.V.L POLYTECHNIC COLLEGE</a:t>
+            </a:r>
+            <a:br>
+              <a:rPr lang="en-US" sz="6000" dirty="0"/>
+            </a:br>
+            <a:br>
+              <a:rPr lang="en-US" sz="6000" dirty="0"/>
+            </a:br>
+            <a:r>
+              <a:rPr lang="en-US" sz="6000" dirty="0"/>
+              <a:t>REVIEW II : </a:t>
+            </a:r>
+            <a:r>
+              <a:rPr lang="en-US" dirty="0"/>
+              <a:t>26</a:t>
+            </a:r>
+            <a:r>
+              <a:rPr lang="en-US" sz="6000" dirty="0"/>
+              <a:t>.03.2025</a:t>
+            </a:r>
+            <a:endParaRPr lang="en-US" dirty="0"/>
+          </a:p>
+        </p:txBody>
+      </p:sp>
+      <p:sp>
+        <p:nvSpPr>
+          <p:cNvPr id="3" name="Subtitle 2">
+            <a:extLst>
+              <a:ext uri="{FF2B5EF4-FFF2-40B4-BE49-F238E27FC236}">
+                <a16:creationId xmlns:a16="http://schemas.microsoft.com/office/drawing/2014/main" id="{C1AB0519-AD61-43B8-9005-663DF83DDE88}"/>
+              </a:ext>
+            </a:extLst>
+          </p:cNvPr>
+          <p:cNvSpPr>
+            <a:spLocks noGrp="1"/>
+          </p:cNvSpPr>
+          <p:nvPr>
+            <p:ph type="subTitle" idx="1"/>
+          </p:nvPr>
+        </p:nvSpPr>
+        <p:spPr/>
+        <p:txBody>
+          <a:bodyPr/>
+          <a:lstStyle/>
+          <a:p>
+            <a:endParaRPr lang="en-US" dirty="0"/>
+          </a:p>
+          <a:p>
+            <a:r>
+              <a:rPr lang="en-US" dirty="0">
+                <a:ln w="0"/>
+                <a:effectLst>
+                  <a:outerShdw blurRad="38100" dist="19050" dir="2700000" algn="tl" rotWithShape="0">
+                    <a:schemeClr val="dk1">
+                      <a:alpha val="40000"/>
+                    </a:schemeClr>
+                  </a:outerShdw>
+                </a:effectLst>
+              </a:rPr>
+              <a:t>PROJECT TITLE : Academic Planner Advisor</a:t>
+            </a:r>
+          </a:p>
+        </p:txBody>
+      </p:sp>
+    </p:spTree>
+    <p:extLst>
+      <p:ext uri="{BB962C8B-B14F-4D97-AF65-F5344CB8AC3E}">
+        <p14:creationId xmlns:p14="http://schemas.microsoft.com/office/powerpoint/2010/main" val="3449273761"/>
+      </p:ext>
+    </p:extLst>
+  </p:cSld>
+  <p:clrMapOvr>
+    <a:masterClrMapping/>
+  </p:clrMapOvr>
+</p:sld>
+</file>
+
+<file path=ppt/slides/slide16.xml><?xml version="1.0" encoding="utf-8"?>
+<p:sld xmlns:a="http://schemas.openxmlformats.org/drawingml/2006/main" xmlns:r="http://schemas.openxmlformats.org/officeDocument/2006/relationships" xmlns:p="http://schemas.openxmlformats.org/presentationml/2006/main">
+  <p:cSld>
+    <p:spTree>
+      <p:nvGrpSpPr>
+        <p:cNvPr id="1" name=""/>
+        <p:cNvGrpSpPr/>
+        <p:nvPr/>
+      </p:nvGrpSpPr>
+      <p:grpSpPr>
+        <a:xfrm>
+          <a:off x="0" y="0"/>
+          <a:ext cx="0" cy="0"/>
+          <a:chOff x="0" y="0"/>
+          <a:chExt cx="0" cy="0"/>
+        </a:xfrm>
+      </p:grpSpPr>
+      <p:sp>
+        <p:nvSpPr>
+          <p:cNvPr id="2" name="Title 1">
+            <a:extLst>
+              <a:ext uri="{FF2B5EF4-FFF2-40B4-BE49-F238E27FC236}">
+                <a16:creationId xmlns:a16="http://schemas.microsoft.com/office/drawing/2014/main" id="{489AE8B3-9576-4268-84B4-DC151738825D}"/>
+              </a:ext>
+            </a:extLst>
+          </p:cNvPr>
+          <p:cNvSpPr>
+            <a:spLocks noGrp="1"/>
+          </p:cNvSpPr>
+          <p:nvPr>
+            <p:ph type="title"/>
+          </p:nvPr>
+        </p:nvSpPr>
+        <p:spPr>
+          <a:xfrm>
+            <a:off x="838200" y="348941"/>
+            <a:ext cx="10515600" cy="1325563"/>
+          </a:xfrm>
+        </p:spPr>
+        <p:txBody>
+          <a:bodyPr/>
+          <a:lstStyle/>
+          <a:p>
+            <a:r>
+              <a:rPr lang="en-US" b="1" dirty="0">
+                <a:latin typeface="Times New Roman" panose="02020603050405020304" pitchFamily="18" charset="0"/>
+                <a:cs typeface="Times New Roman" panose="02020603050405020304" pitchFamily="18" charset="0"/>
+              </a:rPr>
+              <a:t>STEPS TO GENERATE TIMETABLE </a:t>
+            </a:r>
+          </a:p>
+        </p:txBody>
+      </p:sp>
+      <p:sp>
+        <p:nvSpPr>
+          <p:cNvPr id="3" name="Content Placeholder 2">
+            <a:extLst>
+              <a:ext uri="{FF2B5EF4-FFF2-40B4-BE49-F238E27FC236}">
+                <a16:creationId xmlns:a16="http://schemas.microsoft.com/office/drawing/2014/main" id="{15F034D6-4D3A-4593-A758-F9C27D3F8D31}"/>
+              </a:ext>
+            </a:extLst>
+          </p:cNvPr>
+          <p:cNvSpPr>
+            <a:spLocks noGrp="1"/>
+          </p:cNvSpPr>
+          <p:nvPr>
+            <p:ph idx="1"/>
+          </p:nvPr>
+        </p:nvSpPr>
+        <p:spPr/>
+        <p:txBody>
+          <a:bodyPr>
+            <a:normAutofit/>
+          </a:bodyPr>
+          <a:lstStyle/>
+          <a:p>
+            <a:pPr marL="0" indent="0">
+              <a:buNone/>
+            </a:pPr>
+            <a:r>
+              <a:rPr lang="en-US" sz="2600" b="1" dirty="0">
+                <a:latin typeface="Times New Roman" panose="02020603050405020304" pitchFamily="18" charset="0"/>
+                <a:cs typeface="Times New Roman" panose="02020603050405020304" pitchFamily="18" charset="0"/>
+              </a:rPr>
+              <a:t>Step 1</a:t>
+            </a:r>
+            <a:r>
+              <a:rPr lang="en-US" sz="2600" dirty="0">
+                <a:latin typeface="Times New Roman" panose="02020603050405020304" pitchFamily="18" charset="0"/>
+                <a:cs typeface="Times New Roman" panose="02020603050405020304" pitchFamily="18" charset="0"/>
+              </a:rPr>
+              <a:t> : Add Subjects details (about syllabus)</a:t>
+            </a:r>
+          </a:p>
+          <a:p>
+            <a:pPr marL="0" indent="0">
+              <a:buNone/>
+            </a:pPr>
+            <a:r>
+              <a:rPr lang="en-US" sz="2600" b="1" dirty="0">
+                <a:latin typeface="Times New Roman" panose="02020603050405020304" pitchFamily="18" charset="0"/>
+                <a:cs typeface="Times New Roman" panose="02020603050405020304" pitchFamily="18" charset="0"/>
+              </a:rPr>
+              <a:t>Step 2 </a:t>
+            </a:r>
+            <a:r>
+              <a:rPr lang="en-US" sz="2600" dirty="0">
+                <a:latin typeface="Times New Roman" panose="02020603050405020304" pitchFamily="18" charset="0"/>
+                <a:cs typeface="Times New Roman" panose="02020603050405020304" pitchFamily="18" charset="0"/>
+              </a:rPr>
+              <a:t>: Add Staff Details to generate staff timetable</a:t>
+            </a:r>
+          </a:p>
+          <a:p>
+            <a:pPr marL="0" indent="0">
+              <a:buNone/>
+            </a:pPr>
+            <a:r>
+              <a:rPr lang="en-US" sz="2600" b="1" dirty="0">
+                <a:latin typeface="Times New Roman" panose="02020603050405020304" pitchFamily="18" charset="0"/>
+                <a:cs typeface="Times New Roman" panose="02020603050405020304" pitchFamily="18" charset="0"/>
+              </a:rPr>
+              <a:t>Step 3 </a:t>
+            </a:r>
+            <a:r>
+              <a:rPr lang="en-US" sz="2600" dirty="0">
+                <a:latin typeface="Times New Roman" panose="02020603050405020304" pitchFamily="18" charset="0"/>
+                <a:cs typeface="Times New Roman" panose="02020603050405020304" pitchFamily="18" charset="0"/>
+              </a:rPr>
+              <a:t>: Add Classroom and Lab Details to generate  class and lab timetable</a:t>
+            </a:r>
+          </a:p>
+          <a:p>
+            <a:pPr marL="0" indent="0" algn="ctr">
+              <a:buNone/>
+            </a:pPr>
+            <a:endParaRPr lang="en-US" dirty="0"/>
+          </a:p>
+          <a:p>
+            <a:pPr marL="0" indent="0" algn="ctr">
+              <a:buNone/>
+            </a:pPr>
+            <a:endParaRPr lang="en-US" dirty="0"/>
+          </a:p>
+          <a:p>
+            <a:pPr marL="0" indent="0">
+              <a:buNone/>
+            </a:pPr>
+            <a:r>
+              <a:rPr lang="en-US" dirty="0"/>
+              <a:t>          		      </a:t>
+            </a:r>
+            <a:r>
+              <a:rPr lang="en-US" sz="2600" b="1" dirty="0">
+                <a:latin typeface="Times New Roman" panose="02020603050405020304" pitchFamily="18" charset="0"/>
+                <a:cs typeface="Times New Roman" panose="02020603050405020304" pitchFamily="18" charset="0"/>
+              </a:rPr>
+              <a:t>Step 4 : </a:t>
+            </a:r>
+            <a:r>
+              <a:rPr lang="en-US" sz="2600" dirty="0">
+                <a:latin typeface="Times New Roman" panose="02020603050405020304" pitchFamily="18" charset="0"/>
+                <a:cs typeface="Times New Roman" panose="02020603050405020304" pitchFamily="18" charset="0"/>
+              </a:rPr>
+              <a:t>Generate Staff timetable.</a:t>
+            </a:r>
+          </a:p>
+          <a:p>
+            <a:pPr marL="0" indent="0">
+              <a:buNone/>
+            </a:pPr>
+            <a:r>
+              <a:rPr lang="en-US" sz="2600" b="1" dirty="0">
+                <a:latin typeface="Times New Roman" panose="02020603050405020304" pitchFamily="18" charset="0"/>
+                <a:cs typeface="Times New Roman" panose="02020603050405020304" pitchFamily="18" charset="0"/>
+              </a:rPr>
+              <a:t>           		     Step 5 : </a:t>
+            </a:r>
+            <a:r>
+              <a:rPr lang="en-US" sz="2600" dirty="0">
+                <a:latin typeface="Times New Roman" panose="02020603050405020304" pitchFamily="18" charset="0"/>
+                <a:cs typeface="Times New Roman" panose="02020603050405020304" pitchFamily="18" charset="0"/>
+              </a:rPr>
+              <a:t>Generate Lab timetable.</a:t>
+            </a:r>
+          </a:p>
+          <a:p>
+            <a:pPr marL="0" indent="0">
+              <a:buNone/>
+            </a:pPr>
+            <a:r>
+              <a:rPr lang="en-US" sz="2600" b="1" dirty="0">
+                <a:latin typeface="Times New Roman" panose="02020603050405020304" pitchFamily="18" charset="0"/>
+                <a:cs typeface="Times New Roman" panose="02020603050405020304" pitchFamily="18" charset="0"/>
+              </a:rPr>
+              <a:t>          		     Step 6 : </a:t>
+            </a:r>
+            <a:r>
+              <a:rPr lang="en-US" sz="2600" dirty="0">
+                <a:latin typeface="Times New Roman" panose="02020603050405020304" pitchFamily="18" charset="0"/>
+                <a:cs typeface="Times New Roman" panose="02020603050405020304" pitchFamily="18" charset="0"/>
+              </a:rPr>
+              <a:t>Generate Class timetable.</a:t>
+            </a:r>
+          </a:p>
+          <a:p>
+            <a:pPr marL="0" indent="0" algn="ctr">
+              <a:buNone/>
+            </a:pPr>
+            <a:endParaRPr lang="en-US" dirty="0"/>
+          </a:p>
+          <a:p>
+            <a:pPr marL="0" indent="0">
+              <a:buNone/>
+            </a:pPr>
+            <a:endParaRPr lang="en-US" dirty="0"/>
+          </a:p>
+        </p:txBody>
+      </p:sp>
+      <p:sp>
+        <p:nvSpPr>
+          <p:cNvPr id="4" name="Arrow: Right 3">
+            <a:extLst>
+              <a:ext uri="{FF2B5EF4-FFF2-40B4-BE49-F238E27FC236}">
+                <a16:creationId xmlns:a16="http://schemas.microsoft.com/office/drawing/2014/main" id="{D83EE67A-3CD3-4FD5-BF3D-5C5395E927DA}"/>
+              </a:ext>
+            </a:extLst>
+          </p:cNvPr>
+          <p:cNvSpPr/>
+          <p:nvPr/>
+        </p:nvSpPr>
+        <p:spPr>
+          <a:xfrm rot="5400000">
+            <a:off x="5235547" y="3404725"/>
+            <a:ext cx="574535" cy="623086"/>
+          </a:xfrm>
+          <a:prstGeom prst="rightArrow">
+            <a:avLst/>
+          </a:prstGeom>
+        </p:spPr>
+        <p:style>
+          <a:lnRef idx="2">
+            <a:schemeClr val="dk1">
+              <a:shade val="50000"/>
+            </a:schemeClr>
+          </a:lnRef>
+          <a:fillRef idx="1">
+            <a:schemeClr val="dk1"/>
+          </a:fillRef>
+          <a:effectRef idx="0">
+            <a:schemeClr val="dk1"/>
+          </a:effectRef>
+          <a:fontRef idx="minor">
+            <a:schemeClr val="lt1"/>
+          </a:fontRef>
+        </p:style>
+        <p:txBody>
+          <a:bodyPr rtlCol="0" anchor="ctr"/>
+          <a:lstStyle/>
+          <a:p>
+            <a:pPr algn="ctr"/>
+            <a:endParaRPr lang="en-US"/>
+          </a:p>
+        </p:txBody>
+      </p:sp>
+    </p:spTree>
+    <p:extLst>
+      <p:ext uri="{BB962C8B-B14F-4D97-AF65-F5344CB8AC3E}">
+        <p14:creationId xmlns:p14="http://schemas.microsoft.com/office/powerpoint/2010/main" val="2157269562"/>
+      </p:ext>
+    </p:extLst>
+  </p:cSld>
+  <p:clrMapOvr>
+    <a:masterClrMapping/>
+  </p:clrMapOvr>
+</p:sld>
+</file>
+
+<file path=ppt/slides/slide17.xml><?xml version="1.0" encoding="utf-8"?>
+<p:sld xmlns:a="http://schemas.openxmlformats.org/drawingml/2006/main" xmlns:r="http://schemas.openxmlformats.org/officeDocument/2006/relationships" xmlns:p="http://schemas.openxmlformats.org/presentationml/2006/main">
+  <p:cSld>
+    <p:spTree>
+      <p:nvGrpSpPr>
+        <p:cNvPr id="1" name=""/>
+        <p:cNvGrpSpPr/>
+        <p:nvPr/>
+      </p:nvGrpSpPr>
+      <p:grpSpPr>
+        <a:xfrm>
+          <a:off x="0" y="0"/>
+          <a:ext cx="0" cy="0"/>
+          <a:chOff x="0" y="0"/>
+          <a:chExt cx="0" cy="0"/>
+        </a:xfrm>
+      </p:grpSpPr>
+      <p:sp>
+        <p:nvSpPr>
+          <p:cNvPr id="2" name="Title 1">
+            <a:extLst>
+              <a:ext uri="{FF2B5EF4-FFF2-40B4-BE49-F238E27FC236}">
+                <a16:creationId xmlns:a16="http://schemas.microsoft.com/office/drawing/2014/main" id="{3F50C29D-38DA-4255-95B9-69AB7415D993}"/>
+              </a:ext>
+            </a:extLst>
+          </p:cNvPr>
+          <p:cNvSpPr>
+            <a:spLocks noGrp="1"/>
+          </p:cNvSpPr>
+          <p:nvPr>
+            <p:ph type="title"/>
+          </p:nvPr>
+        </p:nvSpPr>
+        <p:spPr/>
+        <p:txBody>
+          <a:bodyPr/>
+          <a:lstStyle/>
+          <a:p>
+            <a:r>
+              <a:rPr lang="en-US" dirty="0"/>
+              <a:t>Main dashboard</a:t>
+            </a:r>
+          </a:p>
+        </p:txBody>
+      </p:sp>
+      <p:pic>
+        <p:nvPicPr>
+          <p:cNvPr id="9" name="Picture 8">
+            <a:extLst>
+              <a:ext uri="{FF2B5EF4-FFF2-40B4-BE49-F238E27FC236}">
+                <a16:creationId xmlns:a16="http://schemas.microsoft.com/office/drawing/2014/main" id="{E41BEEED-22D0-47F8-9783-4150330AAFE0}"/>
+              </a:ext>
+            </a:extLst>
+          </p:cNvPr>
+          <p:cNvPicPr>
+            <a:picLocks noChangeAspect="1"/>
+          </p:cNvPicPr>
+          <p:nvPr/>
+        </p:nvPicPr>
+        <p:blipFill>
+          <a:blip r:embed="rId2"/>
+          <a:stretch>
+            <a:fillRect/>
+          </a:stretch>
+        </p:blipFill>
+        <p:spPr>
+          <a:xfrm>
+            <a:off x="930583" y="1825623"/>
+            <a:ext cx="10260701" cy="4351339"/>
+          </a:xfrm>
+          <a:prstGeom prst="rect">
+            <a:avLst/>
+          </a:prstGeom>
+        </p:spPr>
+      </p:pic>
+    </p:spTree>
+    <p:extLst>
+      <p:ext uri="{BB962C8B-B14F-4D97-AF65-F5344CB8AC3E}">
+        <p14:creationId xmlns:p14="http://schemas.microsoft.com/office/powerpoint/2010/main" val="3810235489"/>
+      </p:ext>
+    </p:extLst>
+  </p:cSld>
+  <p:clrMapOvr>
+    <a:masterClrMapping/>
+  </p:clrMapOvr>
+</p:sld>
+</file>
+
+<file path=ppt/slides/slide18.xml><?xml version="1.0" encoding="utf-8"?>
+<p:sld xmlns:a="http://schemas.openxmlformats.org/drawingml/2006/main" xmlns:r="http://schemas.openxmlformats.org/officeDocument/2006/relationships" xmlns:p="http://schemas.openxmlformats.org/presentationml/2006/main">
+  <p:cSld>
+    <p:spTree>
+      <p:nvGrpSpPr>
+        <p:cNvPr id="1" name=""/>
+        <p:cNvGrpSpPr/>
+        <p:nvPr/>
+      </p:nvGrpSpPr>
+      <p:grpSpPr>
+        <a:xfrm>
+          <a:off x="0" y="0"/>
+          <a:ext cx="0" cy="0"/>
+          <a:chOff x="0" y="0"/>
+          <a:chExt cx="0" cy="0"/>
+        </a:xfrm>
+      </p:grpSpPr>
+      <p:sp>
+        <p:nvSpPr>
+          <p:cNvPr id="2" name="Title 1">
+            <a:extLst>
+              <a:ext uri="{FF2B5EF4-FFF2-40B4-BE49-F238E27FC236}">
+                <a16:creationId xmlns:a16="http://schemas.microsoft.com/office/drawing/2014/main" id="{39963661-C0E7-4B49-8C82-B210AD1AA1D4}"/>
+              </a:ext>
+            </a:extLst>
+          </p:cNvPr>
+          <p:cNvSpPr>
+            <a:spLocks noGrp="1"/>
+          </p:cNvSpPr>
+          <p:nvPr>
+            <p:ph type="title"/>
+          </p:nvPr>
+        </p:nvSpPr>
+        <p:spPr/>
+        <p:txBody>
+          <a:bodyPr/>
+          <a:lstStyle/>
+          <a:p>
+            <a:r>
+              <a:rPr lang="en-US" dirty="0"/>
+              <a:t>Add Subject :</a:t>
+            </a:r>
+          </a:p>
+        </p:txBody>
+      </p:sp>
+      <p:pic>
+        <p:nvPicPr>
+          <p:cNvPr id="4" name="Picture 3">
+            <a:extLst>
+              <a:ext uri="{FF2B5EF4-FFF2-40B4-BE49-F238E27FC236}">
+                <a16:creationId xmlns:a16="http://schemas.microsoft.com/office/drawing/2014/main" id="{40EEDAE9-7FA6-49D8-9F2C-09B24FDC8BC8}"/>
+              </a:ext>
+            </a:extLst>
+          </p:cNvPr>
+          <p:cNvPicPr>
+            <a:picLocks noChangeAspect="1"/>
+          </p:cNvPicPr>
+          <p:nvPr/>
+        </p:nvPicPr>
+        <p:blipFill>
+          <a:blip r:embed="rId2"/>
+          <a:stretch>
+            <a:fillRect/>
+          </a:stretch>
+        </p:blipFill>
+        <p:spPr>
+          <a:xfrm>
+            <a:off x="838201" y="1294349"/>
+            <a:ext cx="10377360" cy="5198526"/>
+          </a:xfrm>
+          <a:prstGeom prst="rect">
+            <a:avLst/>
+          </a:prstGeom>
+        </p:spPr>
+      </p:pic>
+    </p:spTree>
+    <p:extLst>
+      <p:ext uri="{BB962C8B-B14F-4D97-AF65-F5344CB8AC3E}">
+        <p14:creationId xmlns:p14="http://schemas.microsoft.com/office/powerpoint/2010/main" val="4164140879"/>
+      </p:ext>
+    </p:extLst>
+  </p:cSld>
+  <p:clrMapOvr>
+    <a:masterClrMapping/>
+  </p:clrMapOvr>
+</p:sld>
+</file>
+
+<file path=ppt/slides/slide19.xml><?xml version="1.0" encoding="utf-8"?>
+<p:sld xmlns:a="http://schemas.openxmlformats.org/drawingml/2006/main" xmlns:r="http://schemas.openxmlformats.org/officeDocument/2006/relationships" xmlns:p="http://schemas.openxmlformats.org/presentationml/2006/main">
+  <p:cSld>
+    <p:spTree>
+      <p:nvGrpSpPr>
+        <p:cNvPr id="1" name=""/>
+        <p:cNvGrpSpPr/>
+        <p:nvPr/>
+      </p:nvGrpSpPr>
+      <p:grpSpPr>
+        <a:xfrm>
+          <a:off x="0" y="0"/>
+          <a:ext cx="0" cy="0"/>
+          <a:chOff x="0" y="0"/>
+          <a:chExt cx="0" cy="0"/>
+        </a:xfrm>
+      </p:grpSpPr>
+      <p:pic>
+        <p:nvPicPr>
+          <p:cNvPr id="4" name="Picture 3">
+            <a:extLst>
+              <a:ext uri="{FF2B5EF4-FFF2-40B4-BE49-F238E27FC236}">
+                <a16:creationId xmlns:a16="http://schemas.microsoft.com/office/drawing/2014/main" id="{2E0570A6-9524-4AFB-B980-1286862B428E}"/>
+              </a:ext>
+            </a:extLst>
+          </p:cNvPr>
+          <p:cNvPicPr>
+            <a:picLocks noChangeAspect="1"/>
+          </p:cNvPicPr>
+          <p:nvPr/>
+        </p:nvPicPr>
+        <p:blipFill>
+          <a:blip r:embed="rId2"/>
+          <a:stretch>
+            <a:fillRect/>
+          </a:stretch>
+        </p:blipFill>
+        <p:spPr>
+          <a:xfrm>
+            <a:off x="698611" y="283220"/>
+            <a:ext cx="11193983" cy="5876841"/>
+          </a:xfrm>
+          <a:prstGeom prst="rect">
+            <a:avLst/>
+          </a:prstGeom>
+        </p:spPr>
+      </p:pic>
+    </p:spTree>
+    <p:extLst>
+      <p:ext uri="{BB962C8B-B14F-4D97-AF65-F5344CB8AC3E}">
+        <p14:creationId xmlns:p14="http://schemas.microsoft.com/office/powerpoint/2010/main" val="3031540470"/>
+      </p:ext>
+    </p:extLst>
+  </p:cSld>
+  <p:clrMapOvr>
+    <a:masterClrMapping/>
+  </p:clrMapOvr>
+</p:sld>
+</file>
+
 <file path=ppt/slides/slide2.xml><?xml version="1.0" encoding="utf-8"?>
 <p:sld xmlns:a="http://schemas.openxmlformats.org/drawingml/2006/main" xmlns:r="http://schemas.openxmlformats.org/officeDocument/2006/relationships" xmlns:p="http://schemas.openxmlformats.org/presentationml/2006/main">
   <p:cSld>
@@ -4332,6 +5066,542 @@
     <p:extLst>
       <p:ext uri="{BB962C8B-B14F-4D97-AF65-F5344CB8AC3E}">
         <p14:creationId xmlns:p14="http://schemas.microsoft.com/office/powerpoint/2010/main" val="2701349953"/>
+      </p:ext>
+    </p:extLst>
+  </p:cSld>
+  <p:clrMapOvr>
+    <a:masterClrMapping/>
+  </p:clrMapOvr>
+</p:sld>
+</file>
+
+<file path=ppt/slides/slide20.xml><?xml version="1.0" encoding="utf-8"?>
+<p:sld xmlns:a="http://schemas.openxmlformats.org/drawingml/2006/main" xmlns:r="http://schemas.openxmlformats.org/officeDocument/2006/relationships" xmlns:p="http://schemas.openxmlformats.org/presentationml/2006/main">
+  <p:cSld>
+    <p:spTree>
+      <p:nvGrpSpPr>
+        <p:cNvPr id="1" name=""/>
+        <p:cNvGrpSpPr/>
+        <p:nvPr/>
+      </p:nvGrpSpPr>
+      <p:grpSpPr>
+        <a:xfrm>
+          <a:off x="0" y="0"/>
+          <a:ext cx="0" cy="0"/>
+          <a:chOff x="0" y="0"/>
+          <a:chExt cx="0" cy="0"/>
+        </a:xfrm>
+      </p:grpSpPr>
+      <p:pic>
+        <p:nvPicPr>
+          <p:cNvPr id="5" name="Picture 4">
+            <a:extLst>
+              <a:ext uri="{FF2B5EF4-FFF2-40B4-BE49-F238E27FC236}">
+                <a16:creationId xmlns:a16="http://schemas.microsoft.com/office/drawing/2014/main" id="{C8C8D8DF-C279-4987-924B-840D5AFC3DF0}"/>
+              </a:ext>
+            </a:extLst>
+          </p:cNvPr>
+          <p:cNvPicPr>
+            <a:picLocks noChangeAspect="1"/>
+          </p:cNvPicPr>
+          <p:nvPr/>
+        </p:nvPicPr>
+        <p:blipFill>
+          <a:blip r:embed="rId2"/>
+          <a:stretch>
+            <a:fillRect/>
+          </a:stretch>
+        </p:blipFill>
+        <p:spPr>
+          <a:xfrm>
+            <a:off x="1051965" y="857756"/>
+            <a:ext cx="10368980" cy="5405479"/>
+          </a:xfrm>
+          <a:prstGeom prst="rect">
+            <a:avLst/>
+          </a:prstGeom>
+        </p:spPr>
+      </p:pic>
+    </p:spTree>
+    <p:extLst>
+      <p:ext uri="{BB962C8B-B14F-4D97-AF65-F5344CB8AC3E}">
+        <p14:creationId xmlns:p14="http://schemas.microsoft.com/office/powerpoint/2010/main" val="979087196"/>
+      </p:ext>
+    </p:extLst>
+  </p:cSld>
+  <p:clrMapOvr>
+    <a:masterClrMapping/>
+  </p:clrMapOvr>
+</p:sld>
+</file>
+
+<file path=ppt/slides/slide21.xml><?xml version="1.0" encoding="utf-8"?>
+<p:sld xmlns:a="http://schemas.openxmlformats.org/drawingml/2006/main" xmlns:r="http://schemas.openxmlformats.org/officeDocument/2006/relationships" xmlns:p="http://schemas.openxmlformats.org/presentationml/2006/main">
+  <p:cSld>
+    <p:spTree>
+      <p:nvGrpSpPr>
+        <p:cNvPr id="1" name=""/>
+        <p:cNvGrpSpPr/>
+        <p:nvPr/>
+      </p:nvGrpSpPr>
+      <p:grpSpPr>
+        <a:xfrm>
+          <a:off x="0" y="0"/>
+          <a:ext cx="0" cy="0"/>
+          <a:chOff x="0" y="0"/>
+          <a:chExt cx="0" cy="0"/>
+        </a:xfrm>
+      </p:grpSpPr>
+      <p:sp>
+        <p:nvSpPr>
+          <p:cNvPr id="2" name="Title 1">
+            <a:extLst>
+              <a:ext uri="{FF2B5EF4-FFF2-40B4-BE49-F238E27FC236}">
+                <a16:creationId xmlns:a16="http://schemas.microsoft.com/office/drawing/2014/main" id="{2CA00E9F-C2F4-4072-8F8F-2B6C4CA68786}"/>
+              </a:ext>
+            </a:extLst>
+          </p:cNvPr>
+          <p:cNvSpPr>
+            <a:spLocks noGrp="1"/>
+          </p:cNvSpPr>
+          <p:nvPr>
+            <p:ph type="title"/>
+          </p:nvPr>
+        </p:nvSpPr>
+        <p:spPr/>
+        <p:txBody>
+          <a:bodyPr/>
+          <a:lstStyle/>
+          <a:p>
+            <a:r>
+              <a:rPr lang="en-US" dirty="0"/>
+              <a:t>STAFF DETAILS</a:t>
+            </a:r>
+          </a:p>
+        </p:txBody>
+      </p:sp>
+      <p:pic>
+        <p:nvPicPr>
+          <p:cNvPr id="4" name="Picture 3">
+            <a:extLst>
+              <a:ext uri="{FF2B5EF4-FFF2-40B4-BE49-F238E27FC236}">
+                <a16:creationId xmlns:a16="http://schemas.microsoft.com/office/drawing/2014/main" id="{170A462A-268A-474A-BFDA-0672C99C62F0}"/>
+              </a:ext>
+            </a:extLst>
+          </p:cNvPr>
+          <p:cNvPicPr>
+            <a:picLocks noChangeAspect="1"/>
+          </p:cNvPicPr>
+          <p:nvPr/>
+        </p:nvPicPr>
+        <p:blipFill>
+          <a:blip r:embed="rId2"/>
+          <a:stretch>
+            <a:fillRect/>
+          </a:stretch>
+        </p:blipFill>
+        <p:spPr>
+          <a:xfrm>
+            <a:off x="1134811" y="1474773"/>
+            <a:ext cx="9922377" cy="5209248"/>
+          </a:xfrm>
+          <a:prstGeom prst="rect">
+            <a:avLst/>
+          </a:prstGeom>
+        </p:spPr>
+      </p:pic>
+    </p:spTree>
+    <p:extLst>
+      <p:ext uri="{BB962C8B-B14F-4D97-AF65-F5344CB8AC3E}">
+        <p14:creationId xmlns:p14="http://schemas.microsoft.com/office/powerpoint/2010/main" val="112828745"/>
+      </p:ext>
+    </p:extLst>
+  </p:cSld>
+  <p:clrMapOvr>
+    <a:masterClrMapping/>
+  </p:clrMapOvr>
+</p:sld>
+</file>
+
+<file path=ppt/slides/slide22.xml><?xml version="1.0" encoding="utf-8"?>
+<p:sld xmlns:a="http://schemas.openxmlformats.org/drawingml/2006/main" xmlns:r="http://schemas.openxmlformats.org/officeDocument/2006/relationships" xmlns:p="http://schemas.openxmlformats.org/presentationml/2006/main">
+  <p:cSld>
+    <p:spTree>
+      <p:nvGrpSpPr>
+        <p:cNvPr id="1" name=""/>
+        <p:cNvGrpSpPr/>
+        <p:nvPr/>
+      </p:nvGrpSpPr>
+      <p:grpSpPr>
+        <a:xfrm>
+          <a:off x="0" y="0"/>
+          <a:ext cx="0" cy="0"/>
+          <a:chOff x="0" y="0"/>
+          <a:chExt cx="0" cy="0"/>
+        </a:xfrm>
+      </p:grpSpPr>
+      <p:pic>
+        <p:nvPicPr>
+          <p:cNvPr id="3" name="Picture 2">
+            <a:extLst>
+              <a:ext uri="{FF2B5EF4-FFF2-40B4-BE49-F238E27FC236}">
+                <a16:creationId xmlns:a16="http://schemas.microsoft.com/office/drawing/2014/main" id="{23254C3D-DA9A-4FAB-B69C-C39691446039}"/>
+              </a:ext>
+            </a:extLst>
+          </p:cNvPr>
+          <p:cNvPicPr>
+            <a:picLocks noChangeAspect="1"/>
+          </p:cNvPicPr>
+          <p:nvPr/>
+        </p:nvPicPr>
+        <p:blipFill>
+          <a:blip r:embed="rId2"/>
+          <a:stretch>
+            <a:fillRect/>
+          </a:stretch>
+        </p:blipFill>
+        <p:spPr>
+          <a:xfrm>
+            <a:off x="566443" y="574536"/>
+            <a:ext cx="10899972" cy="5688700"/>
+          </a:xfrm>
+          <a:prstGeom prst="rect">
+            <a:avLst/>
+          </a:prstGeom>
+        </p:spPr>
+      </p:pic>
+    </p:spTree>
+    <p:extLst>
+      <p:ext uri="{BB962C8B-B14F-4D97-AF65-F5344CB8AC3E}">
+        <p14:creationId xmlns:p14="http://schemas.microsoft.com/office/powerpoint/2010/main" val="3241569674"/>
+      </p:ext>
+    </p:extLst>
+  </p:cSld>
+  <p:clrMapOvr>
+    <a:masterClrMapping/>
+  </p:clrMapOvr>
+</p:sld>
+</file>
+
+<file path=ppt/slides/slide23.xml><?xml version="1.0" encoding="utf-8"?>
+<p:sld xmlns:a="http://schemas.openxmlformats.org/drawingml/2006/main" xmlns:r="http://schemas.openxmlformats.org/officeDocument/2006/relationships" xmlns:p="http://schemas.openxmlformats.org/presentationml/2006/main">
+  <p:cSld>
+    <p:spTree>
+      <p:nvGrpSpPr>
+        <p:cNvPr id="1" name=""/>
+        <p:cNvGrpSpPr/>
+        <p:nvPr/>
+      </p:nvGrpSpPr>
+      <p:grpSpPr>
+        <a:xfrm>
+          <a:off x="0" y="0"/>
+          <a:ext cx="0" cy="0"/>
+          <a:chOff x="0" y="0"/>
+          <a:chExt cx="0" cy="0"/>
+        </a:xfrm>
+      </p:grpSpPr>
+      <p:pic>
+        <p:nvPicPr>
+          <p:cNvPr id="3" name="Picture 2">
+            <a:extLst>
+              <a:ext uri="{FF2B5EF4-FFF2-40B4-BE49-F238E27FC236}">
+                <a16:creationId xmlns:a16="http://schemas.microsoft.com/office/drawing/2014/main" id="{95C60FD8-A28E-411E-BD44-BA23E1C69726}"/>
+              </a:ext>
+            </a:extLst>
+          </p:cNvPr>
+          <p:cNvPicPr>
+            <a:picLocks noChangeAspect="1"/>
+          </p:cNvPicPr>
+          <p:nvPr/>
+        </p:nvPicPr>
+        <p:blipFill>
+          <a:blip r:embed="rId2"/>
+          <a:stretch>
+            <a:fillRect/>
+          </a:stretch>
+        </p:blipFill>
+        <p:spPr>
+          <a:xfrm>
+            <a:off x="1060056" y="592741"/>
+            <a:ext cx="10249912" cy="5381204"/>
+          </a:xfrm>
+          <a:prstGeom prst="rect">
+            <a:avLst/>
+          </a:prstGeom>
+        </p:spPr>
+      </p:pic>
+    </p:spTree>
+    <p:extLst>
+      <p:ext uri="{BB962C8B-B14F-4D97-AF65-F5344CB8AC3E}">
+        <p14:creationId xmlns:p14="http://schemas.microsoft.com/office/powerpoint/2010/main" val="3850816547"/>
+      </p:ext>
+    </p:extLst>
+  </p:cSld>
+  <p:clrMapOvr>
+    <a:masterClrMapping/>
+  </p:clrMapOvr>
+</p:sld>
+</file>
+
+<file path=ppt/slides/slide24.xml><?xml version="1.0" encoding="utf-8"?>
+<p:sld xmlns:a="http://schemas.openxmlformats.org/drawingml/2006/main" xmlns:r="http://schemas.openxmlformats.org/officeDocument/2006/relationships" xmlns:p="http://schemas.openxmlformats.org/presentationml/2006/main">
+  <p:cSld>
+    <p:spTree>
+      <p:nvGrpSpPr>
+        <p:cNvPr id="1" name=""/>
+        <p:cNvGrpSpPr/>
+        <p:nvPr/>
+      </p:nvGrpSpPr>
+      <p:grpSpPr>
+        <a:xfrm>
+          <a:off x="0" y="0"/>
+          <a:ext cx="0" cy="0"/>
+          <a:chOff x="0" y="0"/>
+          <a:chExt cx="0" cy="0"/>
+        </a:xfrm>
+      </p:grpSpPr>
+      <p:pic>
+        <p:nvPicPr>
+          <p:cNvPr id="3" name="Picture 2">
+            <a:extLst>
+              <a:ext uri="{FF2B5EF4-FFF2-40B4-BE49-F238E27FC236}">
+                <a16:creationId xmlns:a16="http://schemas.microsoft.com/office/drawing/2014/main" id="{106A424D-52F6-435C-B5CD-DFC4AC9091DD}"/>
+              </a:ext>
+            </a:extLst>
+          </p:cNvPr>
+          <p:cNvPicPr>
+            <a:picLocks noChangeAspect="1"/>
+          </p:cNvPicPr>
+          <p:nvPr/>
+        </p:nvPicPr>
+        <p:blipFill>
+          <a:blip r:embed="rId2"/>
+          <a:stretch>
+            <a:fillRect/>
+          </a:stretch>
+        </p:blipFill>
+        <p:spPr>
+          <a:xfrm>
+            <a:off x="971045" y="592741"/>
+            <a:ext cx="10460304" cy="5491660"/>
+          </a:xfrm>
+          <a:prstGeom prst="rect">
+            <a:avLst/>
+          </a:prstGeom>
+        </p:spPr>
+      </p:pic>
+    </p:spTree>
+    <p:extLst>
+      <p:ext uri="{BB962C8B-B14F-4D97-AF65-F5344CB8AC3E}">
+        <p14:creationId xmlns:p14="http://schemas.microsoft.com/office/powerpoint/2010/main" val="112058355"/>
+      </p:ext>
+    </p:extLst>
+  </p:cSld>
+  <p:clrMapOvr>
+    <a:masterClrMapping/>
+  </p:clrMapOvr>
+</p:sld>
+</file>
+
+<file path=ppt/slides/slide25.xml><?xml version="1.0" encoding="utf-8"?>
+<p:sld xmlns:a="http://schemas.openxmlformats.org/drawingml/2006/main" xmlns:r="http://schemas.openxmlformats.org/officeDocument/2006/relationships" xmlns:p="http://schemas.openxmlformats.org/presentationml/2006/main">
+  <p:cSld>
+    <p:spTree>
+      <p:nvGrpSpPr>
+        <p:cNvPr id="1" name=""/>
+        <p:cNvGrpSpPr/>
+        <p:nvPr/>
+      </p:nvGrpSpPr>
+      <p:grpSpPr>
+        <a:xfrm>
+          <a:off x="0" y="0"/>
+          <a:ext cx="0" cy="0"/>
+          <a:chOff x="0" y="0"/>
+          <a:chExt cx="0" cy="0"/>
+        </a:xfrm>
+      </p:grpSpPr>
+      <p:sp>
+        <p:nvSpPr>
+          <p:cNvPr id="2" name="Title 1">
+            <a:extLst>
+              <a:ext uri="{FF2B5EF4-FFF2-40B4-BE49-F238E27FC236}">
+                <a16:creationId xmlns:a16="http://schemas.microsoft.com/office/drawing/2014/main" id="{20DDA793-FC74-42A1-8A1F-8379DDCF4667}"/>
+              </a:ext>
+            </a:extLst>
+          </p:cNvPr>
+          <p:cNvSpPr>
+            <a:spLocks noGrp="1"/>
+          </p:cNvSpPr>
+          <p:nvPr>
+            <p:ph type="title"/>
+          </p:nvPr>
+        </p:nvSpPr>
+        <p:spPr/>
+        <p:txBody>
+          <a:bodyPr/>
+          <a:lstStyle/>
+          <a:p>
+            <a:r>
+              <a:rPr lang="en-US" dirty="0"/>
+              <a:t>ADD CLASSLIST</a:t>
+            </a:r>
+          </a:p>
+        </p:txBody>
+      </p:sp>
+      <p:pic>
+        <p:nvPicPr>
+          <p:cNvPr id="4" name="Picture 3">
+            <a:extLst>
+              <a:ext uri="{FF2B5EF4-FFF2-40B4-BE49-F238E27FC236}">
+                <a16:creationId xmlns:a16="http://schemas.microsoft.com/office/drawing/2014/main" id="{2AE6A37B-5BE8-4B45-95A3-7C085D182800}"/>
+              </a:ext>
+            </a:extLst>
+          </p:cNvPr>
+          <p:cNvPicPr>
+            <a:picLocks noChangeAspect="1"/>
+          </p:cNvPicPr>
+          <p:nvPr/>
+        </p:nvPicPr>
+        <p:blipFill>
+          <a:blip r:embed="rId2"/>
+          <a:stretch>
+            <a:fillRect/>
+          </a:stretch>
+        </p:blipFill>
+        <p:spPr>
+          <a:xfrm>
+            <a:off x="1092425" y="1746785"/>
+            <a:ext cx="10074584" cy="4484808"/>
+          </a:xfrm>
+          <a:prstGeom prst="rect">
+            <a:avLst/>
+          </a:prstGeom>
+        </p:spPr>
+      </p:pic>
+    </p:spTree>
+    <p:extLst>
+      <p:ext uri="{BB962C8B-B14F-4D97-AF65-F5344CB8AC3E}">
+        <p14:creationId xmlns:p14="http://schemas.microsoft.com/office/powerpoint/2010/main" val="2869216676"/>
+      </p:ext>
+    </p:extLst>
+  </p:cSld>
+  <p:clrMapOvr>
+    <a:masterClrMapping/>
+  </p:clrMapOvr>
+</p:sld>
+</file>
+
+<file path=ppt/slides/slide26.xml><?xml version="1.0" encoding="utf-8"?>
+<p:sld xmlns:a="http://schemas.openxmlformats.org/drawingml/2006/main" xmlns:r="http://schemas.openxmlformats.org/officeDocument/2006/relationships" xmlns:p="http://schemas.openxmlformats.org/presentationml/2006/main">
+  <p:cSld>
+    <p:spTree>
+      <p:nvGrpSpPr>
+        <p:cNvPr id="1" name=""/>
+        <p:cNvGrpSpPr/>
+        <p:nvPr/>
+      </p:nvGrpSpPr>
+      <p:grpSpPr>
+        <a:xfrm>
+          <a:off x="0" y="0"/>
+          <a:ext cx="0" cy="0"/>
+          <a:chOff x="0" y="0"/>
+          <a:chExt cx="0" cy="0"/>
+        </a:xfrm>
+      </p:grpSpPr>
+      <p:pic>
+        <p:nvPicPr>
+          <p:cNvPr id="4" name="Picture 3">
+            <a:extLst>
+              <a:ext uri="{FF2B5EF4-FFF2-40B4-BE49-F238E27FC236}">
+                <a16:creationId xmlns:a16="http://schemas.microsoft.com/office/drawing/2014/main" id="{597353E8-6FEE-41BF-AF97-F95F27EDA116}"/>
+              </a:ext>
+            </a:extLst>
+          </p:cNvPr>
+          <p:cNvPicPr>
+            <a:picLocks noChangeAspect="1"/>
+          </p:cNvPicPr>
+          <p:nvPr/>
+        </p:nvPicPr>
+        <p:blipFill>
+          <a:blip r:embed="rId2"/>
+          <a:stretch>
+            <a:fillRect/>
+          </a:stretch>
+        </p:blipFill>
+        <p:spPr>
+          <a:xfrm>
+            <a:off x="784541" y="509798"/>
+            <a:ext cx="10808648" cy="5674540"/>
+          </a:xfrm>
+          <a:prstGeom prst="rect">
+            <a:avLst/>
+          </a:prstGeom>
+        </p:spPr>
+      </p:pic>
+    </p:spTree>
+    <p:extLst>
+      <p:ext uri="{BB962C8B-B14F-4D97-AF65-F5344CB8AC3E}">
+        <p14:creationId xmlns:p14="http://schemas.microsoft.com/office/powerpoint/2010/main" val="1163656849"/>
+      </p:ext>
+    </p:extLst>
+  </p:cSld>
+  <p:clrMapOvr>
+    <a:masterClrMapping/>
+  </p:clrMapOvr>
+</p:sld>
+</file>
+
+<file path=ppt/slides/slide27.xml><?xml version="1.0" encoding="utf-8"?>
+<p:sld xmlns:a="http://schemas.openxmlformats.org/drawingml/2006/main" xmlns:r="http://schemas.openxmlformats.org/officeDocument/2006/relationships" xmlns:p="http://schemas.openxmlformats.org/presentationml/2006/main">
+  <p:cSld>
+    <p:spTree>
+      <p:nvGrpSpPr>
+        <p:cNvPr id="1" name=""/>
+        <p:cNvGrpSpPr/>
+        <p:nvPr/>
+      </p:nvGrpSpPr>
+      <p:grpSpPr>
+        <a:xfrm>
+          <a:off x="0" y="0"/>
+          <a:ext cx="0" cy="0"/>
+          <a:chOff x="0" y="0"/>
+          <a:chExt cx="0" cy="0"/>
+        </a:xfrm>
+      </p:grpSpPr>
+      <p:pic>
+        <p:nvPicPr>
+          <p:cNvPr id="4" name="Picture 3">
+            <a:extLst>
+              <a:ext uri="{FF2B5EF4-FFF2-40B4-BE49-F238E27FC236}">
+                <a16:creationId xmlns:a16="http://schemas.microsoft.com/office/drawing/2014/main" id="{2691B806-9DCF-4D16-987A-0E769345D07B}"/>
+              </a:ext>
+            </a:extLst>
+          </p:cNvPr>
+          <p:cNvPicPr>
+            <a:picLocks noChangeAspect="1"/>
+          </p:cNvPicPr>
+          <p:nvPr/>
+        </p:nvPicPr>
+        <p:blipFill>
+          <a:blip r:embed="rId2"/>
+          <a:stretch>
+            <a:fillRect/>
+          </a:stretch>
+        </p:blipFill>
+        <p:spPr>
+          <a:xfrm>
+            <a:off x="1047918" y="536097"/>
+            <a:ext cx="10096163" cy="5300486"/>
+          </a:xfrm>
+          <a:prstGeom prst="rect">
+            <a:avLst/>
+          </a:prstGeom>
+        </p:spPr>
+      </p:pic>
+    </p:spTree>
+    <p:extLst>
+      <p:ext uri="{BB962C8B-B14F-4D97-AF65-F5344CB8AC3E}">
+        <p14:creationId xmlns:p14="http://schemas.microsoft.com/office/powerpoint/2010/main" val="636861620"/>
       </p:ext>
     </p:extLst>
   </p:cSld>

--- a/review I.pptx
+++ b/review I.pptx
@@ -32,6 +32,7 @@
     <p:sldId id="283" r:id="rId26"/>
     <p:sldId id="284" r:id="rId27"/>
     <p:sldId id="285" r:id="rId28"/>
+    <p:sldId id="286" r:id="rId29"/>
   </p:sldIdLst>
   <p:sldSz cx="12192000" cy="6858000"/>
   <p:notesSz cx="6858000" cy="9144000"/>
@@ -132,7 +133,7 @@
   </p:defaultTextStyle>
   <p:extLst>
     <p:ext uri="{EFAFB233-063F-42B5-8137-9DF3F51BA10A}">
-      <p15:sldGuideLst xmlns:p15="http://schemas.microsoft.com/office/powerpoint/2012/main"/>
+      <p15:sldGuideLst xmlns:p15="http://schemas.microsoft.com/office/powerpoint/2012/main" xmlns=""/>
     </p:ext>
   </p:extLst>
 </p:presentation>
@@ -160,7 +161,7 @@
           <p:cNvPr id="2" name="Title 1">
             <a:extLst>
               <a:ext uri="{FF2B5EF4-FFF2-40B4-BE49-F238E27FC236}">
-                <a16:creationId xmlns:a16="http://schemas.microsoft.com/office/drawing/2014/main" id="{4AC36676-50C3-40CA-8277-3B6F9AE43887}"/>
+                <a16:creationId xmlns:a16="http://schemas.microsoft.com/office/drawing/2014/main" xmlns="" id="{4AC36676-50C3-40CA-8277-3B6F9AE43887}"/>
               </a:ext>
             </a:extLst>
           </p:cNvPr>
@@ -197,7 +198,7 @@
           <p:cNvPr id="3" name="Subtitle 2">
             <a:extLst>
               <a:ext uri="{FF2B5EF4-FFF2-40B4-BE49-F238E27FC236}">
-                <a16:creationId xmlns:a16="http://schemas.microsoft.com/office/drawing/2014/main" id="{4442D7DD-7951-4582-8B9D-361D29F6F557}"/>
+                <a16:creationId xmlns:a16="http://schemas.microsoft.com/office/drawing/2014/main" xmlns="" id="{4442D7DD-7951-4582-8B9D-361D29F6F557}"/>
               </a:ext>
             </a:extLst>
           </p:cNvPr>
@@ -267,7 +268,7 @@
           <p:cNvPr id="4" name="Date Placeholder 3">
             <a:extLst>
               <a:ext uri="{FF2B5EF4-FFF2-40B4-BE49-F238E27FC236}">
-                <a16:creationId xmlns:a16="http://schemas.microsoft.com/office/drawing/2014/main" id="{44C983C8-446E-4CF3-970F-81061B20699D}"/>
+                <a16:creationId xmlns:a16="http://schemas.microsoft.com/office/drawing/2014/main" xmlns="" id="{44C983C8-446E-4CF3-970F-81061B20699D}"/>
               </a:ext>
             </a:extLst>
           </p:cNvPr>
@@ -296,7 +297,7 @@
           <p:cNvPr id="5" name="Footer Placeholder 4">
             <a:extLst>
               <a:ext uri="{FF2B5EF4-FFF2-40B4-BE49-F238E27FC236}">
-                <a16:creationId xmlns:a16="http://schemas.microsoft.com/office/drawing/2014/main" id="{340610DD-C85C-4A1B-B8D4-9ECA2F82B14C}"/>
+                <a16:creationId xmlns:a16="http://schemas.microsoft.com/office/drawing/2014/main" xmlns="" id="{340610DD-C85C-4A1B-B8D4-9ECA2F82B14C}"/>
               </a:ext>
             </a:extLst>
           </p:cNvPr>
@@ -321,7 +322,7 @@
           <p:cNvPr id="6" name="Slide Number Placeholder 5">
             <a:extLst>
               <a:ext uri="{FF2B5EF4-FFF2-40B4-BE49-F238E27FC236}">
-                <a16:creationId xmlns:a16="http://schemas.microsoft.com/office/drawing/2014/main" id="{9187B492-FBB4-46B8-B8E6-5F2478EB4198}"/>
+                <a16:creationId xmlns:a16="http://schemas.microsoft.com/office/drawing/2014/main" xmlns="" id="{9187B492-FBB4-46B8-B8E6-5F2478EB4198}"/>
               </a:ext>
             </a:extLst>
           </p:cNvPr>
@@ -380,7 +381,7 @@
           <p:cNvPr id="2" name="Title 1">
             <a:extLst>
               <a:ext uri="{FF2B5EF4-FFF2-40B4-BE49-F238E27FC236}">
-                <a16:creationId xmlns:a16="http://schemas.microsoft.com/office/drawing/2014/main" id="{A17F7995-0043-4E91-BCF3-B3E98920AE9B}"/>
+                <a16:creationId xmlns:a16="http://schemas.microsoft.com/office/drawing/2014/main" xmlns="" id="{A17F7995-0043-4E91-BCF3-B3E98920AE9B}"/>
               </a:ext>
             </a:extLst>
           </p:cNvPr>
@@ -408,7 +409,7 @@
           <p:cNvPr id="3" name="Vertical Text Placeholder 2">
             <a:extLst>
               <a:ext uri="{FF2B5EF4-FFF2-40B4-BE49-F238E27FC236}">
-                <a16:creationId xmlns:a16="http://schemas.microsoft.com/office/drawing/2014/main" id="{8E98C0EA-A344-4517-9536-2A09AEE40A1F}"/>
+                <a16:creationId xmlns:a16="http://schemas.microsoft.com/office/drawing/2014/main" xmlns="" id="{8E98C0EA-A344-4517-9536-2A09AEE40A1F}"/>
               </a:ext>
             </a:extLst>
           </p:cNvPr>
@@ -465,7 +466,7 @@
           <p:cNvPr id="4" name="Date Placeholder 3">
             <a:extLst>
               <a:ext uri="{FF2B5EF4-FFF2-40B4-BE49-F238E27FC236}">
-                <a16:creationId xmlns:a16="http://schemas.microsoft.com/office/drawing/2014/main" id="{052E7652-2D85-402D-9786-55265484B6B1}"/>
+                <a16:creationId xmlns:a16="http://schemas.microsoft.com/office/drawing/2014/main" xmlns="" id="{052E7652-2D85-402D-9786-55265484B6B1}"/>
               </a:ext>
             </a:extLst>
           </p:cNvPr>
@@ -494,7 +495,7 @@
           <p:cNvPr id="5" name="Footer Placeholder 4">
             <a:extLst>
               <a:ext uri="{FF2B5EF4-FFF2-40B4-BE49-F238E27FC236}">
-                <a16:creationId xmlns:a16="http://schemas.microsoft.com/office/drawing/2014/main" id="{B74A6727-3CFB-4E38-BF68-D3F59C8CCAAF}"/>
+                <a16:creationId xmlns:a16="http://schemas.microsoft.com/office/drawing/2014/main" xmlns="" id="{B74A6727-3CFB-4E38-BF68-D3F59C8CCAAF}"/>
               </a:ext>
             </a:extLst>
           </p:cNvPr>
@@ -519,7 +520,7 @@
           <p:cNvPr id="6" name="Slide Number Placeholder 5">
             <a:extLst>
               <a:ext uri="{FF2B5EF4-FFF2-40B4-BE49-F238E27FC236}">
-                <a16:creationId xmlns:a16="http://schemas.microsoft.com/office/drawing/2014/main" id="{79839663-B04F-4B5A-A0D2-40CBA6B705CB}"/>
+                <a16:creationId xmlns:a16="http://schemas.microsoft.com/office/drawing/2014/main" xmlns="" id="{79839663-B04F-4B5A-A0D2-40CBA6B705CB}"/>
               </a:ext>
             </a:extLst>
           </p:cNvPr>
@@ -578,7 +579,7 @@
           <p:cNvPr id="2" name="Vertical Title 1">
             <a:extLst>
               <a:ext uri="{FF2B5EF4-FFF2-40B4-BE49-F238E27FC236}">
-                <a16:creationId xmlns:a16="http://schemas.microsoft.com/office/drawing/2014/main" id="{36558DE2-3739-4FB6-B237-228A53548548}"/>
+                <a16:creationId xmlns:a16="http://schemas.microsoft.com/office/drawing/2014/main" xmlns="" id="{36558DE2-3739-4FB6-B237-228A53548548}"/>
               </a:ext>
             </a:extLst>
           </p:cNvPr>
@@ -611,7 +612,7 @@
           <p:cNvPr id="3" name="Vertical Text Placeholder 2">
             <a:extLst>
               <a:ext uri="{FF2B5EF4-FFF2-40B4-BE49-F238E27FC236}">
-                <a16:creationId xmlns:a16="http://schemas.microsoft.com/office/drawing/2014/main" id="{A6917D45-ACD4-4A53-8CA1-F52ACA321FC5}"/>
+                <a16:creationId xmlns:a16="http://schemas.microsoft.com/office/drawing/2014/main" xmlns="" id="{A6917D45-ACD4-4A53-8CA1-F52ACA321FC5}"/>
               </a:ext>
             </a:extLst>
           </p:cNvPr>
@@ -673,7 +674,7 @@
           <p:cNvPr id="4" name="Date Placeholder 3">
             <a:extLst>
               <a:ext uri="{FF2B5EF4-FFF2-40B4-BE49-F238E27FC236}">
-                <a16:creationId xmlns:a16="http://schemas.microsoft.com/office/drawing/2014/main" id="{9C3C952F-A89E-4DE5-BAF2-EC088399222F}"/>
+                <a16:creationId xmlns:a16="http://schemas.microsoft.com/office/drawing/2014/main" xmlns="" id="{9C3C952F-A89E-4DE5-BAF2-EC088399222F}"/>
               </a:ext>
             </a:extLst>
           </p:cNvPr>
@@ -702,7 +703,7 @@
           <p:cNvPr id="5" name="Footer Placeholder 4">
             <a:extLst>
               <a:ext uri="{FF2B5EF4-FFF2-40B4-BE49-F238E27FC236}">
-                <a16:creationId xmlns:a16="http://schemas.microsoft.com/office/drawing/2014/main" id="{B2E61432-15DF-46D3-9FE5-77400CA127B3}"/>
+                <a16:creationId xmlns:a16="http://schemas.microsoft.com/office/drawing/2014/main" xmlns="" id="{B2E61432-15DF-46D3-9FE5-77400CA127B3}"/>
               </a:ext>
             </a:extLst>
           </p:cNvPr>
@@ -727,7 +728,7 @@
           <p:cNvPr id="6" name="Slide Number Placeholder 5">
             <a:extLst>
               <a:ext uri="{FF2B5EF4-FFF2-40B4-BE49-F238E27FC236}">
-                <a16:creationId xmlns:a16="http://schemas.microsoft.com/office/drawing/2014/main" id="{434BBE27-EB2D-4D93-BAB7-1ECA17E33E52}"/>
+                <a16:creationId xmlns:a16="http://schemas.microsoft.com/office/drawing/2014/main" xmlns="" id="{434BBE27-EB2D-4D93-BAB7-1ECA17E33E52}"/>
               </a:ext>
             </a:extLst>
           </p:cNvPr>
@@ -786,7 +787,7 @@
           <p:cNvPr id="2" name="Title 1">
             <a:extLst>
               <a:ext uri="{FF2B5EF4-FFF2-40B4-BE49-F238E27FC236}">
-                <a16:creationId xmlns:a16="http://schemas.microsoft.com/office/drawing/2014/main" id="{591260DB-3E48-4E45-AC07-7B513C21F30D}"/>
+                <a16:creationId xmlns:a16="http://schemas.microsoft.com/office/drawing/2014/main" xmlns="" id="{591260DB-3E48-4E45-AC07-7B513C21F30D}"/>
               </a:ext>
             </a:extLst>
           </p:cNvPr>
@@ -814,7 +815,7 @@
           <p:cNvPr id="3" name="Content Placeholder 2">
             <a:extLst>
               <a:ext uri="{FF2B5EF4-FFF2-40B4-BE49-F238E27FC236}">
-                <a16:creationId xmlns:a16="http://schemas.microsoft.com/office/drawing/2014/main" id="{23795263-96EA-42BC-8095-688D93627A2F}"/>
+                <a16:creationId xmlns:a16="http://schemas.microsoft.com/office/drawing/2014/main" xmlns="" id="{23795263-96EA-42BC-8095-688D93627A2F}"/>
               </a:ext>
             </a:extLst>
           </p:cNvPr>
@@ -871,7 +872,7 @@
           <p:cNvPr id="4" name="Date Placeholder 3">
             <a:extLst>
               <a:ext uri="{FF2B5EF4-FFF2-40B4-BE49-F238E27FC236}">
-                <a16:creationId xmlns:a16="http://schemas.microsoft.com/office/drawing/2014/main" id="{89924E60-DF03-4BD7-9836-D4E485C26B64}"/>
+                <a16:creationId xmlns:a16="http://schemas.microsoft.com/office/drawing/2014/main" xmlns="" id="{89924E60-DF03-4BD7-9836-D4E485C26B64}"/>
               </a:ext>
             </a:extLst>
           </p:cNvPr>
@@ -900,7 +901,7 @@
           <p:cNvPr id="5" name="Footer Placeholder 4">
             <a:extLst>
               <a:ext uri="{FF2B5EF4-FFF2-40B4-BE49-F238E27FC236}">
-                <a16:creationId xmlns:a16="http://schemas.microsoft.com/office/drawing/2014/main" id="{BBADF001-3AAB-4FBD-8EFA-32EF6E920CED}"/>
+                <a16:creationId xmlns:a16="http://schemas.microsoft.com/office/drawing/2014/main" xmlns="" id="{BBADF001-3AAB-4FBD-8EFA-32EF6E920CED}"/>
               </a:ext>
             </a:extLst>
           </p:cNvPr>
@@ -925,7 +926,7 @@
           <p:cNvPr id="6" name="Slide Number Placeholder 5">
             <a:extLst>
               <a:ext uri="{FF2B5EF4-FFF2-40B4-BE49-F238E27FC236}">
-                <a16:creationId xmlns:a16="http://schemas.microsoft.com/office/drawing/2014/main" id="{A65E7BFB-8F84-4205-A08C-B0883DF6DDF0}"/>
+                <a16:creationId xmlns:a16="http://schemas.microsoft.com/office/drawing/2014/main" xmlns="" id="{A65E7BFB-8F84-4205-A08C-B0883DF6DDF0}"/>
               </a:ext>
             </a:extLst>
           </p:cNvPr>
@@ -984,7 +985,7 @@
           <p:cNvPr id="2" name="Title 1">
             <a:extLst>
               <a:ext uri="{FF2B5EF4-FFF2-40B4-BE49-F238E27FC236}">
-                <a16:creationId xmlns:a16="http://schemas.microsoft.com/office/drawing/2014/main" id="{DA337338-F9B8-40B4-9FD1-009589D450CE}"/>
+                <a16:creationId xmlns:a16="http://schemas.microsoft.com/office/drawing/2014/main" xmlns="" id="{DA337338-F9B8-40B4-9FD1-009589D450CE}"/>
               </a:ext>
             </a:extLst>
           </p:cNvPr>
@@ -1021,7 +1022,7 @@
           <p:cNvPr id="3" name="Text Placeholder 2">
             <a:extLst>
               <a:ext uri="{FF2B5EF4-FFF2-40B4-BE49-F238E27FC236}">
-                <a16:creationId xmlns:a16="http://schemas.microsoft.com/office/drawing/2014/main" id="{8C45EE57-F8EC-4DD4-992B-F080D261A1DB}"/>
+                <a16:creationId xmlns:a16="http://schemas.microsoft.com/office/drawing/2014/main" xmlns="" id="{8C45EE57-F8EC-4DD4-992B-F080D261A1DB}"/>
               </a:ext>
             </a:extLst>
           </p:cNvPr>
@@ -1146,7 +1147,7 @@
           <p:cNvPr id="4" name="Date Placeholder 3">
             <a:extLst>
               <a:ext uri="{FF2B5EF4-FFF2-40B4-BE49-F238E27FC236}">
-                <a16:creationId xmlns:a16="http://schemas.microsoft.com/office/drawing/2014/main" id="{FC96E7D0-F695-47E5-A3DF-217DD148DEE0}"/>
+                <a16:creationId xmlns:a16="http://schemas.microsoft.com/office/drawing/2014/main" xmlns="" id="{FC96E7D0-F695-47E5-A3DF-217DD148DEE0}"/>
               </a:ext>
             </a:extLst>
           </p:cNvPr>
@@ -1175,7 +1176,7 @@
           <p:cNvPr id="5" name="Footer Placeholder 4">
             <a:extLst>
               <a:ext uri="{FF2B5EF4-FFF2-40B4-BE49-F238E27FC236}">
-                <a16:creationId xmlns:a16="http://schemas.microsoft.com/office/drawing/2014/main" id="{EB3E97F8-CB87-471F-A643-8E63CC1A443E}"/>
+                <a16:creationId xmlns:a16="http://schemas.microsoft.com/office/drawing/2014/main" xmlns="" id="{EB3E97F8-CB87-471F-A643-8E63CC1A443E}"/>
               </a:ext>
             </a:extLst>
           </p:cNvPr>
@@ -1200,7 +1201,7 @@
           <p:cNvPr id="6" name="Slide Number Placeholder 5">
             <a:extLst>
               <a:ext uri="{FF2B5EF4-FFF2-40B4-BE49-F238E27FC236}">
-                <a16:creationId xmlns:a16="http://schemas.microsoft.com/office/drawing/2014/main" id="{15C0458F-22C9-46EF-BAE2-5EF42D38A2DA}"/>
+                <a16:creationId xmlns:a16="http://schemas.microsoft.com/office/drawing/2014/main" xmlns="" id="{15C0458F-22C9-46EF-BAE2-5EF42D38A2DA}"/>
               </a:ext>
             </a:extLst>
           </p:cNvPr>
@@ -1259,7 +1260,7 @@
           <p:cNvPr id="2" name="Title 1">
             <a:extLst>
               <a:ext uri="{FF2B5EF4-FFF2-40B4-BE49-F238E27FC236}">
-                <a16:creationId xmlns:a16="http://schemas.microsoft.com/office/drawing/2014/main" id="{1FFDA0AF-1D1D-4068-A7BF-0A7377762CBC}"/>
+                <a16:creationId xmlns:a16="http://schemas.microsoft.com/office/drawing/2014/main" xmlns="" id="{1FFDA0AF-1D1D-4068-A7BF-0A7377762CBC}"/>
               </a:ext>
             </a:extLst>
           </p:cNvPr>
@@ -1287,7 +1288,7 @@
           <p:cNvPr id="3" name="Content Placeholder 2">
             <a:extLst>
               <a:ext uri="{FF2B5EF4-FFF2-40B4-BE49-F238E27FC236}">
-                <a16:creationId xmlns:a16="http://schemas.microsoft.com/office/drawing/2014/main" id="{31300C18-4744-4A32-81AF-F8C8904042FA}"/>
+                <a16:creationId xmlns:a16="http://schemas.microsoft.com/office/drawing/2014/main" xmlns="" id="{31300C18-4744-4A32-81AF-F8C8904042FA}"/>
               </a:ext>
             </a:extLst>
           </p:cNvPr>
@@ -1349,7 +1350,7 @@
           <p:cNvPr id="4" name="Content Placeholder 3">
             <a:extLst>
               <a:ext uri="{FF2B5EF4-FFF2-40B4-BE49-F238E27FC236}">
-                <a16:creationId xmlns:a16="http://schemas.microsoft.com/office/drawing/2014/main" id="{379DFB98-2F7A-4AEC-8735-6E52C5163CAE}"/>
+                <a16:creationId xmlns:a16="http://schemas.microsoft.com/office/drawing/2014/main" xmlns="" id="{379DFB98-2F7A-4AEC-8735-6E52C5163CAE}"/>
               </a:ext>
             </a:extLst>
           </p:cNvPr>
@@ -1411,7 +1412,7 @@
           <p:cNvPr id="5" name="Date Placeholder 4">
             <a:extLst>
               <a:ext uri="{FF2B5EF4-FFF2-40B4-BE49-F238E27FC236}">
-                <a16:creationId xmlns:a16="http://schemas.microsoft.com/office/drawing/2014/main" id="{247CD601-E4EA-436B-B775-8337055B5B14}"/>
+                <a16:creationId xmlns:a16="http://schemas.microsoft.com/office/drawing/2014/main" xmlns="" id="{247CD601-E4EA-436B-B775-8337055B5B14}"/>
               </a:ext>
             </a:extLst>
           </p:cNvPr>
@@ -1440,7 +1441,7 @@
           <p:cNvPr id="6" name="Footer Placeholder 5">
             <a:extLst>
               <a:ext uri="{FF2B5EF4-FFF2-40B4-BE49-F238E27FC236}">
-                <a16:creationId xmlns:a16="http://schemas.microsoft.com/office/drawing/2014/main" id="{CDE9B833-70DE-4F52-AE78-9D067D4A7921}"/>
+                <a16:creationId xmlns:a16="http://schemas.microsoft.com/office/drawing/2014/main" xmlns="" id="{CDE9B833-70DE-4F52-AE78-9D067D4A7921}"/>
               </a:ext>
             </a:extLst>
           </p:cNvPr>
@@ -1465,7 +1466,7 @@
           <p:cNvPr id="7" name="Slide Number Placeholder 6">
             <a:extLst>
               <a:ext uri="{FF2B5EF4-FFF2-40B4-BE49-F238E27FC236}">
-                <a16:creationId xmlns:a16="http://schemas.microsoft.com/office/drawing/2014/main" id="{3E2C5454-4D19-46B1-8CA3-AAF039093025}"/>
+                <a16:creationId xmlns:a16="http://schemas.microsoft.com/office/drawing/2014/main" xmlns="" id="{3E2C5454-4D19-46B1-8CA3-AAF039093025}"/>
               </a:ext>
             </a:extLst>
           </p:cNvPr>
@@ -1524,7 +1525,7 @@
           <p:cNvPr id="2" name="Title 1">
             <a:extLst>
               <a:ext uri="{FF2B5EF4-FFF2-40B4-BE49-F238E27FC236}">
-                <a16:creationId xmlns:a16="http://schemas.microsoft.com/office/drawing/2014/main" id="{BFC6A0DA-E882-4AB1-BB48-7F773FFBD3FB}"/>
+                <a16:creationId xmlns:a16="http://schemas.microsoft.com/office/drawing/2014/main" xmlns="" id="{BFC6A0DA-E882-4AB1-BB48-7F773FFBD3FB}"/>
               </a:ext>
             </a:extLst>
           </p:cNvPr>
@@ -1557,7 +1558,7 @@
           <p:cNvPr id="3" name="Text Placeholder 2">
             <a:extLst>
               <a:ext uri="{FF2B5EF4-FFF2-40B4-BE49-F238E27FC236}">
-                <a16:creationId xmlns:a16="http://schemas.microsoft.com/office/drawing/2014/main" id="{A2851918-4DB6-4E9D-A169-13A474B5BF10}"/>
+                <a16:creationId xmlns:a16="http://schemas.microsoft.com/office/drawing/2014/main" xmlns="" id="{A2851918-4DB6-4E9D-A169-13A474B5BF10}"/>
               </a:ext>
             </a:extLst>
           </p:cNvPr>
@@ -1628,7 +1629,7 @@
           <p:cNvPr id="4" name="Content Placeholder 3">
             <a:extLst>
               <a:ext uri="{FF2B5EF4-FFF2-40B4-BE49-F238E27FC236}">
-                <a16:creationId xmlns:a16="http://schemas.microsoft.com/office/drawing/2014/main" id="{9E3A4F30-3EF5-445F-95D0-F202003CAC22}"/>
+                <a16:creationId xmlns:a16="http://schemas.microsoft.com/office/drawing/2014/main" xmlns="" id="{9E3A4F30-3EF5-445F-95D0-F202003CAC22}"/>
               </a:ext>
             </a:extLst>
           </p:cNvPr>
@@ -1690,7 +1691,7 @@
           <p:cNvPr id="5" name="Text Placeholder 4">
             <a:extLst>
               <a:ext uri="{FF2B5EF4-FFF2-40B4-BE49-F238E27FC236}">
-                <a16:creationId xmlns:a16="http://schemas.microsoft.com/office/drawing/2014/main" id="{6A3FE3C4-E07D-4531-8A2D-D52C936810EA}"/>
+                <a16:creationId xmlns:a16="http://schemas.microsoft.com/office/drawing/2014/main" xmlns="" id="{6A3FE3C4-E07D-4531-8A2D-D52C936810EA}"/>
               </a:ext>
             </a:extLst>
           </p:cNvPr>
@@ -1761,7 +1762,7 @@
           <p:cNvPr id="6" name="Content Placeholder 5">
             <a:extLst>
               <a:ext uri="{FF2B5EF4-FFF2-40B4-BE49-F238E27FC236}">
-                <a16:creationId xmlns:a16="http://schemas.microsoft.com/office/drawing/2014/main" id="{4C6B1D7D-9F19-4299-A0B3-83A546469567}"/>
+                <a16:creationId xmlns:a16="http://schemas.microsoft.com/office/drawing/2014/main" xmlns="" id="{4C6B1D7D-9F19-4299-A0B3-83A546469567}"/>
               </a:ext>
             </a:extLst>
           </p:cNvPr>
@@ -1823,7 +1824,7 @@
           <p:cNvPr id="7" name="Date Placeholder 6">
             <a:extLst>
               <a:ext uri="{FF2B5EF4-FFF2-40B4-BE49-F238E27FC236}">
-                <a16:creationId xmlns:a16="http://schemas.microsoft.com/office/drawing/2014/main" id="{114A04BC-23F0-4D24-B6D4-2713A7EE6F7A}"/>
+                <a16:creationId xmlns:a16="http://schemas.microsoft.com/office/drawing/2014/main" xmlns="" id="{114A04BC-23F0-4D24-B6D4-2713A7EE6F7A}"/>
               </a:ext>
             </a:extLst>
           </p:cNvPr>
@@ -1852,7 +1853,7 @@
           <p:cNvPr id="8" name="Footer Placeholder 7">
             <a:extLst>
               <a:ext uri="{FF2B5EF4-FFF2-40B4-BE49-F238E27FC236}">
-                <a16:creationId xmlns:a16="http://schemas.microsoft.com/office/drawing/2014/main" id="{D69E7C79-C2A3-4CAC-B437-B256D7CFA6D6}"/>
+                <a16:creationId xmlns:a16="http://schemas.microsoft.com/office/drawing/2014/main" xmlns="" id="{D69E7C79-C2A3-4CAC-B437-B256D7CFA6D6}"/>
               </a:ext>
             </a:extLst>
           </p:cNvPr>
@@ -1877,7 +1878,7 @@
           <p:cNvPr id="9" name="Slide Number Placeholder 8">
             <a:extLst>
               <a:ext uri="{FF2B5EF4-FFF2-40B4-BE49-F238E27FC236}">
-                <a16:creationId xmlns:a16="http://schemas.microsoft.com/office/drawing/2014/main" id="{FC1947B7-1DA2-46F9-AF21-CE6F584158C0}"/>
+                <a16:creationId xmlns:a16="http://schemas.microsoft.com/office/drawing/2014/main" xmlns="" id="{FC1947B7-1DA2-46F9-AF21-CE6F584158C0}"/>
               </a:ext>
             </a:extLst>
           </p:cNvPr>
@@ -1936,7 +1937,7 @@
           <p:cNvPr id="2" name="Title 1">
             <a:extLst>
               <a:ext uri="{FF2B5EF4-FFF2-40B4-BE49-F238E27FC236}">
-                <a16:creationId xmlns:a16="http://schemas.microsoft.com/office/drawing/2014/main" id="{D452F758-8D48-4CB9-9BD7-9CACD356F89B}"/>
+                <a16:creationId xmlns:a16="http://schemas.microsoft.com/office/drawing/2014/main" xmlns="" id="{D452F758-8D48-4CB9-9BD7-9CACD356F89B}"/>
               </a:ext>
             </a:extLst>
           </p:cNvPr>
@@ -1964,7 +1965,7 @@
           <p:cNvPr id="3" name="Date Placeholder 2">
             <a:extLst>
               <a:ext uri="{FF2B5EF4-FFF2-40B4-BE49-F238E27FC236}">
-                <a16:creationId xmlns:a16="http://schemas.microsoft.com/office/drawing/2014/main" id="{59F3DF10-EC74-4ED5-92E2-462A9CBD54A3}"/>
+                <a16:creationId xmlns:a16="http://schemas.microsoft.com/office/drawing/2014/main" xmlns="" id="{59F3DF10-EC74-4ED5-92E2-462A9CBD54A3}"/>
               </a:ext>
             </a:extLst>
           </p:cNvPr>
@@ -1993,7 +1994,7 @@
           <p:cNvPr id="4" name="Footer Placeholder 3">
             <a:extLst>
               <a:ext uri="{FF2B5EF4-FFF2-40B4-BE49-F238E27FC236}">
-                <a16:creationId xmlns:a16="http://schemas.microsoft.com/office/drawing/2014/main" id="{E59DE359-9E57-4F03-ABFD-4A2E2BDE6136}"/>
+                <a16:creationId xmlns:a16="http://schemas.microsoft.com/office/drawing/2014/main" xmlns="" id="{E59DE359-9E57-4F03-ABFD-4A2E2BDE6136}"/>
               </a:ext>
             </a:extLst>
           </p:cNvPr>
@@ -2018,7 +2019,7 @@
           <p:cNvPr id="5" name="Slide Number Placeholder 4">
             <a:extLst>
               <a:ext uri="{FF2B5EF4-FFF2-40B4-BE49-F238E27FC236}">
-                <a16:creationId xmlns:a16="http://schemas.microsoft.com/office/drawing/2014/main" id="{011E4D9F-00EC-4D29-929A-540C809977C9}"/>
+                <a16:creationId xmlns:a16="http://schemas.microsoft.com/office/drawing/2014/main" xmlns="" id="{011E4D9F-00EC-4D29-929A-540C809977C9}"/>
               </a:ext>
             </a:extLst>
           </p:cNvPr>
@@ -2077,7 +2078,7 @@
           <p:cNvPr id="2" name="Date Placeholder 1">
             <a:extLst>
               <a:ext uri="{FF2B5EF4-FFF2-40B4-BE49-F238E27FC236}">
-                <a16:creationId xmlns:a16="http://schemas.microsoft.com/office/drawing/2014/main" id="{98A92D6D-DDF3-4151-A601-243D538DAD1B}"/>
+                <a16:creationId xmlns:a16="http://schemas.microsoft.com/office/drawing/2014/main" xmlns="" id="{98A92D6D-DDF3-4151-A601-243D538DAD1B}"/>
               </a:ext>
             </a:extLst>
           </p:cNvPr>
@@ -2106,7 +2107,7 @@
           <p:cNvPr id="3" name="Footer Placeholder 2">
             <a:extLst>
               <a:ext uri="{FF2B5EF4-FFF2-40B4-BE49-F238E27FC236}">
-                <a16:creationId xmlns:a16="http://schemas.microsoft.com/office/drawing/2014/main" id="{5E256B0D-700D-41EB-A54E-2CDED4A0F310}"/>
+                <a16:creationId xmlns:a16="http://schemas.microsoft.com/office/drawing/2014/main" xmlns="" id="{5E256B0D-700D-41EB-A54E-2CDED4A0F310}"/>
               </a:ext>
             </a:extLst>
           </p:cNvPr>
@@ -2131,7 +2132,7 @@
           <p:cNvPr id="4" name="Slide Number Placeholder 3">
             <a:extLst>
               <a:ext uri="{FF2B5EF4-FFF2-40B4-BE49-F238E27FC236}">
-                <a16:creationId xmlns:a16="http://schemas.microsoft.com/office/drawing/2014/main" id="{E237CBE1-30F5-4D3C-B718-357527009588}"/>
+                <a16:creationId xmlns:a16="http://schemas.microsoft.com/office/drawing/2014/main" xmlns="" id="{E237CBE1-30F5-4D3C-B718-357527009588}"/>
               </a:ext>
             </a:extLst>
           </p:cNvPr>
@@ -2190,7 +2191,7 @@
           <p:cNvPr id="2" name="Title 1">
             <a:extLst>
               <a:ext uri="{FF2B5EF4-FFF2-40B4-BE49-F238E27FC236}">
-                <a16:creationId xmlns:a16="http://schemas.microsoft.com/office/drawing/2014/main" id="{C3636C44-DD53-4910-9064-1A5A030E2B2A}"/>
+                <a16:creationId xmlns:a16="http://schemas.microsoft.com/office/drawing/2014/main" xmlns="" id="{C3636C44-DD53-4910-9064-1A5A030E2B2A}"/>
               </a:ext>
             </a:extLst>
           </p:cNvPr>
@@ -2227,7 +2228,7 @@
           <p:cNvPr id="3" name="Content Placeholder 2">
             <a:extLst>
               <a:ext uri="{FF2B5EF4-FFF2-40B4-BE49-F238E27FC236}">
-                <a16:creationId xmlns:a16="http://schemas.microsoft.com/office/drawing/2014/main" id="{17D1475A-FF17-4C75-B1F7-CBAC64225090}"/>
+                <a16:creationId xmlns:a16="http://schemas.microsoft.com/office/drawing/2014/main" xmlns="" id="{17D1475A-FF17-4C75-B1F7-CBAC64225090}"/>
               </a:ext>
             </a:extLst>
           </p:cNvPr>
@@ -2317,7 +2318,7 @@
           <p:cNvPr id="4" name="Text Placeholder 3">
             <a:extLst>
               <a:ext uri="{FF2B5EF4-FFF2-40B4-BE49-F238E27FC236}">
-                <a16:creationId xmlns:a16="http://schemas.microsoft.com/office/drawing/2014/main" id="{03F58C64-D1BC-425E-9B54-74D570C41DAB}"/>
+                <a16:creationId xmlns:a16="http://schemas.microsoft.com/office/drawing/2014/main" xmlns="" id="{03F58C64-D1BC-425E-9B54-74D570C41DAB}"/>
               </a:ext>
             </a:extLst>
           </p:cNvPr>
@@ -2388,7 +2389,7 @@
           <p:cNvPr id="5" name="Date Placeholder 4">
             <a:extLst>
               <a:ext uri="{FF2B5EF4-FFF2-40B4-BE49-F238E27FC236}">
-                <a16:creationId xmlns:a16="http://schemas.microsoft.com/office/drawing/2014/main" id="{8D91C1C9-43EC-46E8-BED3-9029F26C95AB}"/>
+                <a16:creationId xmlns:a16="http://schemas.microsoft.com/office/drawing/2014/main" xmlns="" id="{8D91C1C9-43EC-46E8-BED3-9029F26C95AB}"/>
               </a:ext>
             </a:extLst>
           </p:cNvPr>
@@ -2417,7 +2418,7 @@
           <p:cNvPr id="6" name="Footer Placeholder 5">
             <a:extLst>
               <a:ext uri="{FF2B5EF4-FFF2-40B4-BE49-F238E27FC236}">
-                <a16:creationId xmlns:a16="http://schemas.microsoft.com/office/drawing/2014/main" id="{05FE14FD-CF81-4FE7-ABE5-A909C412FD39}"/>
+                <a16:creationId xmlns:a16="http://schemas.microsoft.com/office/drawing/2014/main" xmlns="" id="{05FE14FD-CF81-4FE7-ABE5-A909C412FD39}"/>
               </a:ext>
             </a:extLst>
           </p:cNvPr>
@@ -2442,7 +2443,7 @@
           <p:cNvPr id="7" name="Slide Number Placeholder 6">
             <a:extLst>
               <a:ext uri="{FF2B5EF4-FFF2-40B4-BE49-F238E27FC236}">
-                <a16:creationId xmlns:a16="http://schemas.microsoft.com/office/drawing/2014/main" id="{1C81A2CA-1878-48B4-B0E3-DDF1B393A098}"/>
+                <a16:creationId xmlns:a16="http://schemas.microsoft.com/office/drawing/2014/main" xmlns="" id="{1C81A2CA-1878-48B4-B0E3-DDF1B393A098}"/>
               </a:ext>
             </a:extLst>
           </p:cNvPr>
@@ -2501,7 +2502,7 @@
           <p:cNvPr id="2" name="Title 1">
             <a:extLst>
               <a:ext uri="{FF2B5EF4-FFF2-40B4-BE49-F238E27FC236}">
-                <a16:creationId xmlns:a16="http://schemas.microsoft.com/office/drawing/2014/main" id="{B86E29F0-21A1-4A2D-A9A6-531F5063DB72}"/>
+                <a16:creationId xmlns:a16="http://schemas.microsoft.com/office/drawing/2014/main" xmlns="" id="{B86E29F0-21A1-4A2D-A9A6-531F5063DB72}"/>
               </a:ext>
             </a:extLst>
           </p:cNvPr>
@@ -2538,7 +2539,7 @@
           <p:cNvPr id="3" name="Picture Placeholder 2">
             <a:extLst>
               <a:ext uri="{FF2B5EF4-FFF2-40B4-BE49-F238E27FC236}">
-                <a16:creationId xmlns:a16="http://schemas.microsoft.com/office/drawing/2014/main" id="{A8422BC8-B0E9-49EB-A71E-0056964A7C5D}"/>
+                <a16:creationId xmlns:a16="http://schemas.microsoft.com/office/drawing/2014/main" xmlns="" id="{A8422BC8-B0E9-49EB-A71E-0056964A7C5D}"/>
               </a:ext>
             </a:extLst>
           </p:cNvPr>
@@ -2605,7 +2606,7 @@
           <p:cNvPr id="4" name="Text Placeholder 3">
             <a:extLst>
               <a:ext uri="{FF2B5EF4-FFF2-40B4-BE49-F238E27FC236}">
-                <a16:creationId xmlns:a16="http://schemas.microsoft.com/office/drawing/2014/main" id="{5D70D5B1-7DE2-41C2-BAF9-3212F8D2FAF1}"/>
+                <a16:creationId xmlns:a16="http://schemas.microsoft.com/office/drawing/2014/main" xmlns="" id="{5D70D5B1-7DE2-41C2-BAF9-3212F8D2FAF1}"/>
               </a:ext>
             </a:extLst>
           </p:cNvPr>
@@ -2676,7 +2677,7 @@
           <p:cNvPr id="5" name="Date Placeholder 4">
             <a:extLst>
               <a:ext uri="{FF2B5EF4-FFF2-40B4-BE49-F238E27FC236}">
-                <a16:creationId xmlns:a16="http://schemas.microsoft.com/office/drawing/2014/main" id="{EA0D99AD-7424-4036-A6B8-59A59057DED1}"/>
+                <a16:creationId xmlns:a16="http://schemas.microsoft.com/office/drawing/2014/main" xmlns="" id="{EA0D99AD-7424-4036-A6B8-59A59057DED1}"/>
               </a:ext>
             </a:extLst>
           </p:cNvPr>
@@ -2705,7 +2706,7 @@
           <p:cNvPr id="6" name="Footer Placeholder 5">
             <a:extLst>
               <a:ext uri="{FF2B5EF4-FFF2-40B4-BE49-F238E27FC236}">
-                <a16:creationId xmlns:a16="http://schemas.microsoft.com/office/drawing/2014/main" id="{A25EDA1A-03F3-4D03-BD76-5DCE6EC4B864}"/>
+                <a16:creationId xmlns:a16="http://schemas.microsoft.com/office/drawing/2014/main" xmlns="" id="{A25EDA1A-03F3-4D03-BD76-5DCE6EC4B864}"/>
               </a:ext>
             </a:extLst>
           </p:cNvPr>
@@ -2730,7 +2731,7 @@
           <p:cNvPr id="7" name="Slide Number Placeholder 6">
             <a:extLst>
               <a:ext uri="{FF2B5EF4-FFF2-40B4-BE49-F238E27FC236}">
-                <a16:creationId xmlns:a16="http://schemas.microsoft.com/office/drawing/2014/main" id="{18EA73FF-2E52-4DA8-B307-2B9EEC3D6CB5}"/>
+                <a16:creationId xmlns:a16="http://schemas.microsoft.com/office/drawing/2014/main" xmlns="" id="{18EA73FF-2E52-4DA8-B307-2B9EEC3D6CB5}"/>
               </a:ext>
             </a:extLst>
           </p:cNvPr>
@@ -2794,7 +2795,7 @@
           <p:cNvPr id="2" name="Title Placeholder 1">
             <a:extLst>
               <a:ext uri="{FF2B5EF4-FFF2-40B4-BE49-F238E27FC236}">
-                <a16:creationId xmlns:a16="http://schemas.microsoft.com/office/drawing/2014/main" id="{8011F3C0-BA71-4EDC-B63C-23AFDE19D3C6}"/>
+                <a16:creationId xmlns:a16="http://schemas.microsoft.com/office/drawing/2014/main" xmlns="" id="{8011F3C0-BA71-4EDC-B63C-23AFDE19D3C6}"/>
               </a:ext>
             </a:extLst>
           </p:cNvPr>
@@ -2832,7 +2833,7 @@
           <p:cNvPr id="3" name="Text Placeholder 2">
             <a:extLst>
               <a:ext uri="{FF2B5EF4-FFF2-40B4-BE49-F238E27FC236}">
-                <a16:creationId xmlns:a16="http://schemas.microsoft.com/office/drawing/2014/main" id="{C3EF8089-0F09-4C51-B1D9-F8637F6C11D1}"/>
+                <a16:creationId xmlns:a16="http://schemas.microsoft.com/office/drawing/2014/main" xmlns="" id="{C3EF8089-0F09-4C51-B1D9-F8637F6C11D1}"/>
               </a:ext>
             </a:extLst>
           </p:cNvPr>
@@ -2899,7 +2900,7 @@
           <p:cNvPr id="4" name="Date Placeholder 3">
             <a:extLst>
               <a:ext uri="{FF2B5EF4-FFF2-40B4-BE49-F238E27FC236}">
-                <a16:creationId xmlns:a16="http://schemas.microsoft.com/office/drawing/2014/main" id="{63496228-507F-4036-BE2E-D84F999AB454}"/>
+                <a16:creationId xmlns:a16="http://schemas.microsoft.com/office/drawing/2014/main" xmlns="" id="{63496228-507F-4036-BE2E-D84F999AB454}"/>
               </a:ext>
             </a:extLst>
           </p:cNvPr>
@@ -2946,7 +2947,7 @@
           <p:cNvPr id="5" name="Footer Placeholder 4">
             <a:extLst>
               <a:ext uri="{FF2B5EF4-FFF2-40B4-BE49-F238E27FC236}">
-                <a16:creationId xmlns:a16="http://schemas.microsoft.com/office/drawing/2014/main" id="{7017DBB6-993F-4778-A45A-0C2979B113A0}"/>
+                <a16:creationId xmlns:a16="http://schemas.microsoft.com/office/drawing/2014/main" xmlns="" id="{7017DBB6-993F-4778-A45A-0C2979B113A0}"/>
               </a:ext>
             </a:extLst>
           </p:cNvPr>
@@ -2989,7 +2990,7 @@
           <p:cNvPr id="6" name="Slide Number Placeholder 5">
             <a:extLst>
               <a:ext uri="{FF2B5EF4-FFF2-40B4-BE49-F238E27FC236}">
-                <a16:creationId xmlns:a16="http://schemas.microsoft.com/office/drawing/2014/main" id="{42B0CF3F-5016-4E77-9C37-4EEFB1E31035}"/>
+                <a16:creationId xmlns:a16="http://schemas.microsoft.com/office/drawing/2014/main" xmlns="" id="{42B0CF3F-5016-4E77-9C37-4EEFB1E31035}"/>
               </a:ext>
             </a:extLst>
           </p:cNvPr>
@@ -3357,7 +3358,7 @@
           <p:cNvPr id="2" name="Title 1">
             <a:extLst>
               <a:ext uri="{FF2B5EF4-FFF2-40B4-BE49-F238E27FC236}">
-                <a16:creationId xmlns:a16="http://schemas.microsoft.com/office/drawing/2014/main" id="{3CCBACE0-6E95-4EBD-830A-954E1655A4DA}"/>
+                <a16:creationId xmlns:a16="http://schemas.microsoft.com/office/drawing/2014/main" xmlns="" id="{3CCBACE0-6E95-4EBD-830A-954E1655A4DA}"/>
               </a:ext>
             </a:extLst>
           </p:cNvPr>
@@ -3382,6 +3383,10 @@
             <a:br>
               <a:rPr lang="en-US" sz="6000" dirty="0"/>
             </a:br>
+            <a:r>
+              <a:rPr lang="en-US" sz="6000" dirty="0"/>
+              <a:t/>
+            </a:r>
             <a:br>
               <a:rPr lang="en-US" sz="6000" dirty="0"/>
             </a:br>
@@ -3398,7 +3403,7 @@
           <p:cNvPr id="3" name="Subtitle 2">
             <a:extLst>
               <a:ext uri="{FF2B5EF4-FFF2-40B4-BE49-F238E27FC236}">
-                <a16:creationId xmlns:a16="http://schemas.microsoft.com/office/drawing/2014/main" id="{C1AB0519-AD61-43B8-9005-663DF83DDE88}"/>
+                <a16:creationId xmlns:a16="http://schemas.microsoft.com/office/drawing/2014/main" xmlns="" id="{C1AB0519-AD61-43B8-9005-663DF83DDE88}"/>
               </a:ext>
             </a:extLst>
           </p:cNvPr>
@@ -3468,7 +3473,7 @@
           <p:cNvPr id="2" name="Title 1">
             <a:extLst>
               <a:ext uri="{FF2B5EF4-FFF2-40B4-BE49-F238E27FC236}">
-                <a16:creationId xmlns:a16="http://schemas.microsoft.com/office/drawing/2014/main" id="{D7BE0037-C09F-41B8-9855-F4CEEEB3C4C9}"/>
+                <a16:creationId xmlns:a16="http://schemas.microsoft.com/office/drawing/2014/main" xmlns="" id="{D7BE0037-C09F-41B8-9855-F4CEEEB3C4C9}"/>
               </a:ext>
             </a:extLst>
           </p:cNvPr>
@@ -3499,7 +3504,7 @@
           <p:cNvPr id="5" name="Content Placeholder 4">
             <a:extLst>
               <a:ext uri="{FF2B5EF4-FFF2-40B4-BE49-F238E27FC236}">
-                <a16:creationId xmlns:a16="http://schemas.microsoft.com/office/drawing/2014/main" id="{1D65EBFF-ADB1-4044-9C1F-A4EACB1209C8}"/>
+                <a16:creationId xmlns:a16="http://schemas.microsoft.com/office/drawing/2014/main" xmlns="" id="{1D65EBFF-ADB1-4044-9C1F-A4EACB1209C8}"/>
               </a:ext>
             </a:extLst>
           </p:cNvPr>
@@ -3566,7 +3571,7 @@
           <p:cNvPr id="2" name="Title 1">
             <a:extLst>
               <a:ext uri="{FF2B5EF4-FFF2-40B4-BE49-F238E27FC236}">
-                <a16:creationId xmlns:a16="http://schemas.microsoft.com/office/drawing/2014/main" id="{018A22EE-AEF2-4640-B199-0FF817169471}"/>
+                <a16:creationId xmlns:a16="http://schemas.microsoft.com/office/drawing/2014/main" xmlns="" id="{018A22EE-AEF2-4640-B199-0FF817169471}"/>
               </a:ext>
             </a:extLst>
           </p:cNvPr>
@@ -3602,7 +3607,7 @@
           <p:cNvPr id="3" name="Content Placeholder 2">
             <a:extLst>
               <a:ext uri="{FF2B5EF4-FFF2-40B4-BE49-F238E27FC236}">
-                <a16:creationId xmlns:a16="http://schemas.microsoft.com/office/drawing/2014/main" id="{1238B15D-EFB9-4A56-90C9-78394122845E}"/>
+                <a16:creationId xmlns:a16="http://schemas.microsoft.com/office/drawing/2014/main" xmlns="" id="{1238B15D-EFB9-4A56-90C9-78394122845E}"/>
               </a:ext>
             </a:extLst>
           </p:cNvPr>
@@ -3641,7 +3646,7 @@
           <p:cNvPr id="4" name="Picture 3">
             <a:extLst>
               <a:ext uri="{FF2B5EF4-FFF2-40B4-BE49-F238E27FC236}">
-                <a16:creationId xmlns:a16="http://schemas.microsoft.com/office/drawing/2014/main" id="{3A4249CC-DB1B-4F4C-977A-74FE992D4330}"/>
+                <a16:creationId xmlns:a16="http://schemas.microsoft.com/office/drawing/2014/main" xmlns="" id="{3A4249CC-DB1B-4F4C-977A-74FE992D4330}"/>
               </a:ext>
             </a:extLst>
           </p:cNvPr>
@@ -3709,7 +3714,7 @@
           <p:cNvPr id="2" name="Title 1">
             <a:extLst>
               <a:ext uri="{FF2B5EF4-FFF2-40B4-BE49-F238E27FC236}">
-                <a16:creationId xmlns:a16="http://schemas.microsoft.com/office/drawing/2014/main" id="{D630E1B1-54E4-4EDA-9544-4D495060450B}"/>
+                <a16:creationId xmlns:a16="http://schemas.microsoft.com/office/drawing/2014/main" xmlns="" id="{D630E1B1-54E4-4EDA-9544-4D495060450B}"/>
               </a:ext>
             </a:extLst>
           </p:cNvPr>
@@ -3740,7 +3745,7 @@
           <p:cNvPr id="5" name="Picture 4">
             <a:extLst>
               <a:ext uri="{FF2B5EF4-FFF2-40B4-BE49-F238E27FC236}">
-                <a16:creationId xmlns:a16="http://schemas.microsoft.com/office/drawing/2014/main" id="{A0EBA47A-D320-4442-BC13-D0665306951C}"/>
+                <a16:creationId xmlns:a16="http://schemas.microsoft.com/office/drawing/2014/main" xmlns="" id="{A0EBA47A-D320-4442-BC13-D0665306951C}"/>
               </a:ext>
             </a:extLst>
           </p:cNvPr>
@@ -3813,7 +3818,7 @@
           <p:cNvPr id="2" name="Title 1">
             <a:extLst>
               <a:ext uri="{FF2B5EF4-FFF2-40B4-BE49-F238E27FC236}">
-                <a16:creationId xmlns:a16="http://schemas.microsoft.com/office/drawing/2014/main" id="{A80EB07B-73B1-4B6C-8864-D47BEB8470AE}"/>
+                <a16:creationId xmlns:a16="http://schemas.microsoft.com/office/drawing/2014/main" xmlns="" id="{A80EB07B-73B1-4B6C-8864-D47BEB8470AE}"/>
               </a:ext>
             </a:extLst>
           </p:cNvPr>
@@ -3849,7 +3854,7 @@
           <p:cNvPr id="3" name="Content Placeholder 2">
             <a:extLst>
               <a:ext uri="{FF2B5EF4-FFF2-40B4-BE49-F238E27FC236}">
-                <a16:creationId xmlns:a16="http://schemas.microsoft.com/office/drawing/2014/main" id="{65CEB892-1B40-4702-9A04-2376052A978B}"/>
+                <a16:creationId xmlns:a16="http://schemas.microsoft.com/office/drawing/2014/main" xmlns="" id="{65CEB892-1B40-4702-9A04-2376052A978B}"/>
               </a:ext>
             </a:extLst>
           </p:cNvPr>
@@ -3888,7 +3893,7 @@
           <p:cNvPr id="6" name="Picture 5">
             <a:extLst>
               <a:ext uri="{FF2B5EF4-FFF2-40B4-BE49-F238E27FC236}">
-                <a16:creationId xmlns:a16="http://schemas.microsoft.com/office/drawing/2014/main" id="{3FADE67B-60AE-422E-8BC1-095556223B6C}"/>
+                <a16:creationId xmlns:a16="http://schemas.microsoft.com/office/drawing/2014/main" xmlns="" id="{3FADE67B-60AE-422E-8BC1-095556223B6C}"/>
               </a:ext>
             </a:extLst>
           </p:cNvPr>
@@ -3956,7 +3961,7 @@
           <p:cNvPr id="8" name="Title 7">
             <a:extLst>
               <a:ext uri="{FF2B5EF4-FFF2-40B4-BE49-F238E27FC236}">
-                <a16:creationId xmlns:a16="http://schemas.microsoft.com/office/drawing/2014/main" id="{7F98765D-384C-47E0-9314-700806097279}"/>
+                <a16:creationId xmlns:a16="http://schemas.microsoft.com/office/drawing/2014/main" xmlns="" id="{7F98765D-384C-47E0-9314-700806097279}"/>
               </a:ext>
             </a:extLst>
           </p:cNvPr>
@@ -4020,7 +4025,7 @@
           <p:cNvPr id="2" name="Title 1">
             <a:extLst>
               <a:ext uri="{FF2B5EF4-FFF2-40B4-BE49-F238E27FC236}">
-                <a16:creationId xmlns:a16="http://schemas.microsoft.com/office/drawing/2014/main" id="{3CCBACE0-6E95-4EBD-830A-954E1655A4DA}"/>
+                <a16:creationId xmlns:a16="http://schemas.microsoft.com/office/drawing/2014/main" xmlns="" id="{3CCBACE0-6E95-4EBD-830A-954E1655A4DA}"/>
               </a:ext>
             </a:extLst>
           </p:cNvPr>
@@ -4045,6 +4050,10 @@
             <a:br>
               <a:rPr lang="en-US" sz="6000" dirty="0"/>
             </a:br>
+            <a:r>
+              <a:rPr lang="en-US" sz="6000" dirty="0"/>
+              <a:t/>
+            </a:r>
             <a:br>
               <a:rPr lang="en-US" sz="6000" dirty="0"/>
             </a:br>
@@ -4069,7 +4078,7 @@
           <p:cNvPr id="3" name="Subtitle 2">
             <a:extLst>
               <a:ext uri="{FF2B5EF4-FFF2-40B4-BE49-F238E27FC236}">
-                <a16:creationId xmlns:a16="http://schemas.microsoft.com/office/drawing/2014/main" id="{C1AB0519-AD61-43B8-9005-663DF83DDE88}"/>
+                <a16:creationId xmlns:a16="http://schemas.microsoft.com/office/drawing/2014/main" xmlns="" id="{C1AB0519-AD61-43B8-9005-663DF83DDE88}"/>
               </a:ext>
             </a:extLst>
           </p:cNvPr>
@@ -4139,7 +4148,7 @@
           <p:cNvPr id="2" name="Title 1">
             <a:extLst>
               <a:ext uri="{FF2B5EF4-FFF2-40B4-BE49-F238E27FC236}">
-                <a16:creationId xmlns:a16="http://schemas.microsoft.com/office/drawing/2014/main" id="{489AE8B3-9576-4268-84B4-DC151738825D}"/>
+                <a16:creationId xmlns:a16="http://schemas.microsoft.com/office/drawing/2014/main" xmlns="" id="{489AE8B3-9576-4268-84B4-DC151738825D}"/>
               </a:ext>
             </a:extLst>
           </p:cNvPr>
@@ -4175,7 +4184,7 @@
           <p:cNvPr id="3" name="Content Placeholder 2">
             <a:extLst>
               <a:ext uri="{FF2B5EF4-FFF2-40B4-BE49-F238E27FC236}">
-                <a16:creationId xmlns:a16="http://schemas.microsoft.com/office/drawing/2014/main" id="{15F034D6-4D3A-4593-A758-F9C27D3F8D31}"/>
+                <a16:creationId xmlns:a16="http://schemas.microsoft.com/office/drawing/2014/main" xmlns="" id="{15F034D6-4D3A-4593-A758-F9C27D3F8D31}"/>
               </a:ext>
             </a:extLst>
           </p:cNvPr>
@@ -4341,7 +4350,7 @@
           <p:cNvPr id="4" name="Arrow: Right 3">
             <a:extLst>
               <a:ext uri="{FF2B5EF4-FFF2-40B4-BE49-F238E27FC236}">
-                <a16:creationId xmlns:a16="http://schemas.microsoft.com/office/drawing/2014/main" id="{D83EE67A-3CD3-4FD5-BF3D-5C5395E927DA}"/>
+                <a16:creationId xmlns:a16="http://schemas.microsoft.com/office/drawing/2014/main" xmlns="" id="{D83EE67A-3CD3-4FD5-BF3D-5C5395E927DA}"/>
               </a:ext>
             </a:extLst>
           </p:cNvPr>
@@ -4417,7 +4426,7 @@
           <p:cNvPr id="2" name="Title 1">
             <a:extLst>
               <a:ext uri="{FF2B5EF4-FFF2-40B4-BE49-F238E27FC236}">
-                <a16:creationId xmlns:a16="http://schemas.microsoft.com/office/drawing/2014/main" id="{3F50C29D-38DA-4255-95B9-69AB7415D993}"/>
+                <a16:creationId xmlns:a16="http://schemas.microsoft.com/office/drawing/2014/main" xmlns="" id="{3F50C29D-38DA-4255-95B9-69AB7415D993}"/>
               </a:ext>
             </a:extLst>
           </p:cNvPr>
@@ -4428,46 +4437,94 @@
             <p:ph type="title"/>
           </p:nvPr>
         </p:nvSpPr>
-        <p:spPr/>
-        <p:txBody>
-          <a:bodyPr/>
-          <a:lstStyle/>
-          <a:p>
-            <a:r>
-              <a:rPr lang="en-US" dirty="0"/>
-              <a:t>Main dashboard</a:t>
-            </a:r>
+        <p:spPr>
+          <a:xfrm>
+            <a:off x="838200" y="365126"/>
+            <a:ext cx="10515600" cy="1025524"/>
+          </a:xfrm>
+        </p:spPr>
+        <p:txBody>
+          <a:bodyPr>
+            <a:normAutofit/>
+          </a:bodyPr>
+          <a:lstStyle/>
+          <a:p>
+            <a:r>
+              <a:rPr lang="en-US" b="1" dirty="0" smtClean="0">
+                <a:latin typeface="Times New Roman" panose="02020603050405020304" pitchFamily="18" charset="0"/>
+                <a:cs typeface="Times New Roman" panose="02020603050405020304" pitchFamily="18" charset="0"/>
+              </a:rPr>
+              <a:t>MAIN DASHBOARD</a:t>
+            </a:r>
+            <a:endParaRPr lang="en-US" b="1" dirty="0">
+              <a:latin typeface="Times New Roman" panose="02020603050405020304" pitchFamily="18" charset="0"/>
+              <a:cs typeface="Times New Roman" panose="02020603050405020304" pitchFamily="18" charset="0"/>
+            </a:endParaRPr>
           </a:p>
         </p:txBody>
       </p:sp>
       <p:pic>
         <p:nvPicPr>
-          <p:cNvPr id="9" name="Picture 8">
-            <a:extLst>
-              <a:ext uri="{FF2B5EF4-FFF2-40B4-BE49-F238E27FC236}">
-                <a16:creationId xmlns:a16="http://schemas.microsoft.com/office/drawing/2014/main" id="{E41BEEED-22D0-47F8-9783-4150330AAFE0}"/>
-              </a:ext>
-            </a:extLst>
-          </p:cNvPr>
+          <p:cNvPr id="1026" name="Picture 2"/>
           <p:cNvPicPr>
-            <a:picLocks noChangeAspect="1"/>
+            <a:picLocks noChangeAspect="1" noChangeArrowheads="1"/>
           </p:cNvPicPr>
           <p:nvPr/>
         </p:nvPicPr>
         <p:blipFill>
-          <a:blip r:embed="rId2"/>
+          <a:blip r:embed="rId2">
+            <a:extLst>
+              <a:ext uri="{28A0092B-C50C-407E-A947-70E740481C1C}">
+                <a14:useLocalDpi xmlns:a14="http://schemas.microsoft.com/office/drawing/2010/main" val="0"/>
+              </a:ext>
+            </a:extLst>
+          </a:blip>
+          <a:srcRect/>
           <a:stretch>
             <a:fillRect/>
           </a:stretch>
         </p:blipFill>
-        <p:spPr>
+        <p:spPr bwMode="auto">
           <a:xfrm>
-            <a:off x="930583" y="1825623"/>
-            <a:ext cx="10260701" cy="4351339"/>
+            <a:off x="1143000" y="1533525"/>
+            <a:ext cx="10144125" cy="4724400"/>
           </a:xfrm>
           <a:prstGeom prst="rect">
             <a:avLst/>
           </a:prstGeom>
+          <a:noFill/>
+          <a:ln>
+            <a:noFill/>
+          </a:ln>
+          <a:effectLst/>
+          <a:extLst>
+            <a:ext uri="{909E8E84-426E-40DD-AFC4-6F175D3DCCD1}">
+              <a14:hiddenFill xmlns:a14="http://schemas.microsoft.com/office/drawing/2010/main">
+                <a:solidFill>
+                  <a:schemeClr val="accent1"/>
+                </a:solidFill>
+              </a14:hiddenFill>
+            </a:ext>
+            <a:ext uri="{91240B29-F687-4F45-9708-019B960494DF}">
+              <a14:hiddenLine xmlns:a14="http://schemas.microsoft.com/office/drawing/2010/main" w="9525">
+                <a:solidFill>
+                  <a:schemeClr val="tx1"/>
+                </a:solidFill>
+                <a:miter lim="800000"/>
+                <a:headEnd/>
+                <a:tailEnd/>
+              </a14:hiddenLine>
+            </a:ext>
+            <a:ext uri="{AF507438-7753-43E0-B8FC-AC1667EBCBE1}">
+              <a14:hiddenEffects xmlns:a14="http://schemas.microsoft.com/office/drawing/2010/main">
+                <a:effectLst>
+                  <a:outerShdw dist="35921" dir="2700000" algn="ctr" rotWithShape="0">
+                    <a:schemeClr val="bg2"/>
+                  </a:outerShdw>
+                </a:effectLst>
+              </a14:hiddenEffects>
+            </a:ext>
+          </a:extLst>
         </p:spPr>
       </p:pic>
     </p:spTree>
@@ -4505,7 +4562,7 @@
           <p:cNvPr id="2" name="Title 1">
             <a:extLst>
               <a:ext uri="{FF2B5EF4-FFF2-40B4-BE49-F238E27FC236}">
-                <a16:creationId xmlns:a16="http://schemas.microsoft.com/office/drawing/2014/main" id="{39963661-C0E7-4B49-8C82-B210AD1AA1D4}"/>
+                <a16:creationId xmlns:a16="http://schemas.microsoft.com/office/drawing/2014/main" xmlns="" id="{39963661-C0E7-4B49-8C82-B210AD1AA1D4}"/>
               </a:ext>
             </a:extLst>
           </p:cNvPr>
@@ -4516,46 +4573,94 @@
             <p:ph type="title"/>
           </p:nvPr>
         </p:nvSpPr>
-        <p:spPr/>
-        <p:txBody>
-          <a:bodyPr/>
-          <a:lstStyle/>
-          <a:p>
-            <a:r>
-              <a:rPr lang="en-US" dirty="0"/>
-              <a:t>Add Subject :</a:t>
-            </a:r>
+        <p:spPr>
+          <a:xfrm>
+            <a:off x="814387" y="250825"/>
+            <a:ext cx="10515600" cy="1022071"/>
+          </a:xfrm>
+        </p:spPr>
+        <p:txBody>
+          <a:bodyPr>
+            <a:normAutofit/>
+          </a:bodyPr>
+          <a:lstStyle/>
+          <a:p>
+            <a:r>
+              <a:rPr lang="en-US" b="1" dirty="0" smtClean="0">
+                <a:latin typeface="Times New Roman" panose="02020603050405020304" pitchFamily="18" charset="0"/>
+                <a:cs typeface="Times New Roman" panose="02020603050405020304" pitchFamily="18" charset="0"/>
+              </a:rPr>
+              <a:t>ADD SUBJECT </a:t>
+            </a:r>
+            <a:endParaRPr lang="en-US" b="1" dirty="0">
+              <a:latin typeface="Times New Roman" panose="02020603050405020304" pitchFamily="18" charset="0"/>
+              <a:cs typeface="Times New Roman" panose="02020603050405020304" pitchFamily="18" charset="0"/>
+            </a:endParaRPr>
           </a:p>
         </p:txBody>
       </p:sp>
       <p:pic>
         <p:nvPicPr>
-          <p:cNvPr id="4" name="Picture 3">
-            <a:extLst>
-              <a:ext uri="{FF2B5EF4-FFF2-40B4-BE49-F238E27FC236}">
-                <a16:creationId xmlns:a16="http://schemas.microsoft.com/office/drawing/2014/main" id="{40EEDAE9-7FA6-49D8-9F2C-09B24FDC8BC8}"/>
-              </a:ext>
-            </a:extLst>
-          </p:cNvPr>
+          <p:cNvPr id="2050" name="Picture 2"/>
           <p:cNvPicPr>
-            <a:picLocks noChangeAspect="1"/>
+            <a:picLocks noChangeAspect="1" noChangeArrowheads="1"/>
           </p:cNvPicPr>
           <p:nvPr/>
         </p:nvPicPr>
         <p:blipFill>
-          <a:blip r:embed="rId2"/>
+          <a:blip r:embed="rId2">
+            <a:extLst>
+              <a:ext uri="{28A0092B-C50C-407E-A947-70E740481C1C}">
+                <a14:useLocalDpi xmlns:a14="http://schemas.microsoft.com/office/drawing/2010/main" val="0"/>
+              </a:ext>
+            </a:extLst>
+          </a:blip>
+          <a:srcRect/>
           <a:stretch>
             <a:fillRect/>
           </a:stretch>
         </p:blipFill>
-        <p:spPr>
+        <p:spPr bwMode="auto">
           <a:xfrm>
-            <a:off x="838201" y="1294349"/>
-            <a:ext cx="10377360" cy="5198526"/>
+            <a:off x="1371600" y="1647825"/>
+            <a:ext cx="9610725" cy="4808219"/>
           </a:xfrm>
           <a:prstGeom prst="rect">
             <a:avLst/>
           </a:prstGeom>
+          <a:noFill/>
+          <a:ln>
+            <a:noFill/>
+          </a:ln>
+          <a:effectLst/>
+          <a:extLst>
+            <a:ext uri="{909E8E84-426E-40DD-AFC4-6F175D3DCCD1}">
+              <a14:hiddenFill xmlns:a14="http://schemas.microsoft.com/office/drawing/2010/main">
+                <a:solidFill>
+                  <a:schemeClr val="accent1"/>
+                </a:solidFill>
+              </a14:hiddenFill>
+            </a:ext>
+            <a:ext uri="{91240B29-F687-4F45-9708-019B960494DF}">
+              <a14:hiddenLine xmlns:a14="http://schemas.microsoft.com/office/drawing/2010/main" w="9525">
+                <a:solidFill>
+                  <a:schemeClr val="tx1"/>
+                </a:solidFill>
+                <a:miter lim="800000"/>
+                <a:headEnd/>
+                <a:tailEnd/>
+              </a14:hiddenLine>
+            </a:ext>
+            <a:ext uri="{AF507438-7753-43E0-B8FC-AC1667EBCBE1}">
+              <a14:hiddenEffects xmlns:a14="http://schemas.microsoft.com/office/drawing/2010/main">
+                <a:effectLst>
+                  <a:outerShdw dist="35921" dir="2700000" algn="ctr" rotWithShape="0">
+                    <a:schemeClr val="bg2"/>
+                  </a:outerShdw>
+                </a:effectLst>
+              </a14:hiddenEffects>
+            </a:ext>
+          </a:extLst>
         </p:spPr>
       </p:pic>
     </p:spTree>
@@ -4590,32 +4695,66 @@
       </p:grpSpPr>
       <p:pic>
         <p:nvPicPr>
-          <p:cNvPr id="4" name="Picture 3">
-            <a:extLst>
-              <a:ext uri="{FF2B5EF4-FFF2-40B4-BE49-F238E27FC236}">
-                <a16:creationId xmlns:a16="http://schemas.microsoft.com/office/drawing/2014/main" id="{2E0570A6-9524-4AFB-B980-1286862B428E}"/>
-              </a:ext>
-            </a:extLst>
-          </p:cNvPr>
+          <p:cNvPr id="3074" name="Picture 2"/>
           <p:cNvPicPr>
-            <a:picLocks noChangeAspect="1"/>
+            <a:picLocks noChangeAspect="1" noChangeArrowheads="1"/>
           </p:cNvPicPr>
           <p:nvPr/>
         </p:nvPicPr>
         <p:blipFill>
-          <a:blip r:embed="rId2"/>
+          <a:blip r:embed="rId2">
+            <a:extLst>
+              <a:ext uri="{28A0092B-C50C-407E-A947-70E740481C1C}">
+                <a14:useLocalDpi xmlns:a14="http://schemas.microsoft.com/office/drawing/2010/main" val="0"/>
+              </a:ext>
+            </a:extLst>
+          </a:blip>
+          <a:srcRect/>
           <a:stretch>
             <a:fillRect/>
           </a:stretch>
         </p:blipFill>
-        <p:spPr>
+        <p:spPr bwMode="auto">
           <a:xfrm>
-            <a:off x="698611" y="283220"/>
-            <a:ext cx="11193983" cy="5876841"/>
+            <a:off x="1381123" y="668535"/>
+            <a:ext cx="9791701" cy="5263039"/>
           </a:xfrm>
           <a:prstGeom prst="rect">
             <a:avLst/>
           </a:prstGeom>
+          <a:noFill/>
+          <a:ln>
+            <a:noFill/>
+          </a:ln>
+          <a:effectLst/>
+          <a:extLst>
+            <a:ext uri="{909E8E84-426E-40DD-AFC4-6F175D3DCCD1}">
+              <a14:hiddenFill xmlns:a14="http://schemas.microsoft.com/office/drawing/2010/main">
+                <a:solidFill>
+                  <a:schemeClr val="accent1"/>
+                </a:solidFill>
+              </a14:hiddenFill>
+            </a:ext>
+            <a:ext uri="{91240B29-F687-4F45-9708-019B960494DF}">
+              <a14:hiddenLine xmlns:a14="http://schemas.microsoft.com/office/drawing/2010/main" w="9525">
+                <a:solidFill>
+                  <a:schemeClr val="tx1"/>
+                </a:solidFill>
+                <a:miter lim="800000"/>
+                <a:headEnd/>
+                <a:tailEnd/>
+              </a14:hiddenLine>
+            </a:ext>
+            <a:ext uri="{AF507438-7753-43E0-B8FC-AC1667EBCBE1}">
+              <a14:hiddenEffects xmlns:a14="http://schemas.microsoft.com/office/drawing/2010/main">
+                <a:effectLst>
+                  <a:outerShdw dist="35921" dir="2700000" algn="ctr" rotWithShape="0">
+                    <a:schemeClr val="bg2"/>
+                  </a:outerShdw>
+                </a:effectLst>
+              </a14:hiddenEffects>
+            </a:ext>
+          </a:extLst>
         </p:spPr>
       </p:pic>
     </p:spTree>
@@ -4653,7 +4792,7 @@
           <p:cNvPr id="3" name="Content Placeholder 2">
             <a:extLst>
               <a:ext uri="{FF2B5EF4-FFF2-40B4-BE49-F238E27FC236}">
-                <a16:creationId xmlns:a16="http://schemas.microsoft.com/office/drawing/2014/main" id="{34AACFCD-6960-476D-AB62-4897873FA031}"/>
+                <a16:creationId xmlns:a16="http://schemas.microsoft.com/office/drawing/2014/main" xmlns="" id="{34AACFCD-6960-476D-AB62-4897873FA031}"/>
               </a:ext>
             </a:extLst>
           </p:cNvPr>
@@ -5094,34 +5233,106 @@
       </p:grpSpPr>
       <p:pic>
         <p:nvPicPr>
-          <p:cNvPr id="5" name="Picture 4">
-            <a:extLst>
-              <a:ext uri="{FF2B5EF4-FFF2-40B4-BE49-F238E27FC236}">
-                <a16:creationId xmlns:a16="http://schemas.microsoft.com/office/drawing/2014/main" id="{C8C8D8DF-C279-4987-924B-840D5AFC3DF0}"/>
-              </a:ext>
-            </a:extLst>
-          </p:cNvPr>
+          <p:cNvPr id="4098" name="Picture 2"/>
           <p:cNvPicPr>
-            <a:picLocks noChangeAspect="1"/>
+            <a:picLocks noChangeAspect="1" noChangeArrowheads="1"/>
           </p:cNvPicPr>
           <p:nvPr/>
         </p:nvPicPr>
         <p:blipFill>
-          <a:blip r:embed="rId2"/>
+          <a:blip r:embed="rId2">
+            <a:extLst>
+              <a:ext uri="{28A0092B-C50C-407E-A947-70E740481C1C}">
+                <a14:useLocalDpi xmlns:a14="http://schemas.microsoft.com/office/drawing/2010/main" val="0"/>
+              </a:ext>
+            </a:extLst>
+          </a:blip>
+          <a:srcRect/>
           <a:stretch>
             <a:fillRect/>
           </a:stretch>
         </p:blipFill>
-        <p:spPr>
+        <p:spPr bwMode="auto">
           <a:xfrm>
-            <a:off x="1051965" y="857756"/>
-            <a:ext cx="10368980" cy="5405479"/>
+            <a:off x="981074" y="1571625"/>
+            <a:ext cx="10258425" cy="4810125"/>
           </a:xfrm>
           <a:prstGeom prst="rect">
             <a:avLst/>
           </a:prstGeom>
+          <a:noFill/>
+          <a:ln>
+            <a:noFill/>
+          </a:ln>
+          <a:effectLst/>
+          <a:extLst>
+            <a:ext uri="{909E8E84-426E-40DD-AFC4-6F175D3DCCD1}">
+              <a14:hiddenFill xmlns:a14="http://schemas.microsoft.com/office/drawing/2010/main">
+                <a:solidFill>
+                  <a:schemeClr val="accent1"/>
+                </a:solidFill>
+              </a14:hiddenFill>
+            </a:ext>
+            <a:ext uri="{91240B29-F687-4F45-9708-019B960494DF}">
+              <a14:hiddenLine xmlns:a14="http://schemas.microsoft.com/office/drawing/2010/main" w="9525">
+                <a:solidFill>
+                  <a:schemeClr val="tx1"/>
+                </a:solidFill>
+                <a:miter lim="800000"/>
+                <a:headEnd/>
+                <a:tailEnd/>
+              </a14:hiddenLine>
+            </a:ext>
+            <a:ext uri="{AF507438-7753-43E0-B8FC-AC1667EBCBE1}">
+              <a14:hiddenEffects xmlns:a14="http://schemas.microsoft.com/office/drawing/2010/main">
+                <a:effectLst>
+                  <a:outerShdw dist="35921" dir="2700000" algn="ctr" rotWithShape="0">
+                    <a:schemeClr val="bg2"/>
+                  </a:outerShdw>
+                </a:effectLst>
+              </a14:hiddenEffects>
+            </a:ext>
+          </a:extLst>
         </p:spPr>
       </p:pic>
+      <p:sp>
+        <p:nvSpPr>
+          <p:cNvPr id="2" name="Title 1"/>
+          <p:cNvSpPr>
+            <a:spLocks noGrp="1"/>
+          </p:cNvSpPr>
+          <p:nvPr>
+            <p:ph type="title"/>
+          </p:nvPr>
+        </p:nvSpPr>
+        <p:spPr>
+          <a:xfrm>
+            <a:off x="838200" y="365125"/>
+            <a:ext cx="10515600" cy="1101725"/>
+          </a:xfrm>
+        </p:spPr>
+        <p:txBody>
+          <a:bodyPr/>
+          <a:lstStyle/>
+          <a:p>
+            <a:r>
+              <a:rPr lang="en-US" b="1" dirty="0" smtClean="0">
+                <a:latin typeface="Times New Roman" panose="02020603050405020304" pitchFamily="18" charset="0"/>
+                <a:cs typeface="Times New Roman" panose="02020603050405020304" pitchFamily="18" charset="0"/>
+              </a:rPr>
+              <a:t>Subject details Stored </a:t>
+            </a:r>
+            <a:r>
+              <a:rPr lang="en-US" b="1" dirty="0">
+                <a:latin typeface="Times New Roman" panose="02020603050405020304" pitchFamily="18" charset="0"/>
+                <a:cs typeface="Times New Roman" panose="02020603050405020304" pitchFamily="18" charset="0"/>
+              </a:rPr>
+              <a:t>In Database</a:t>
+            </a:r>
+            <a:endParaRPr lang="en-IN" dirty="0"/>
+          </a:p>
+        </p:txBody>
+      </p:sp>
     </p:spTree>
     <p:extLst>
       <p:ext uri="{BB962C8B-B14F-4D97-AF65-F5344CB8AC3E}">
@@ -5157,7 +5368,7 @@
           <p:cNvPr id="2" name="Title 1">
             <a:extLst>
               <a:ext uri="{FF2B5EF4-FFF2-40B4-BE49-F238E27FC236}">
-                <a16:creationId xmlns:a16="http://schemas.microsoft.com/office/drawing/2014/main" id="{2CA00E9F-C2F4-4072-8F8F-2B6C4CA68786}"/>
+                <a16:creationId xmlns:a16="http://schemas.microsoft.com/office/drawing/2014/main" xmlns="" id="{2CA00E9F-C2F4-4072-8F8F-2B6C4CA68786}"/>
               </a:ext>
             </a:extLst>
           </p:cNvPr>
@@ -5170,11 +5381,16 @@
         </p:nvSpPr>
         <p:spPr/>
         <p:txBody>
-          <a:bodyPr/>
-          <a:lstStyle/>
-          <a:p>
-            <a:r>
-              <a:rPr lang="en-US" dirty="0"/>
+          <a:bodyPr>
+            <a:normAutofit/>
+          </a:bodyPr>
+          <a:lstStyle/>
+          <a:p>
+            <a:r>
+              <a:rPr lang="en-US" b="1" dirty="0">
+                <a:latin typeface="Times New Roman" panose="02020603050405020304" pitchFamily="18" charset="0"/>
+                <a:cs typeface="Times New Roman" panose="02020603050405020304" pitchFamily="18" charset="0"/>
+              </a:rPr>
               <a:t>STAFF DETAILS</a:t>
             </a:r>
           </a:p>
@@ -5182,32 +5398,66 @@
       </p:sp>
       <p:pic>
         <p:nvPicPr>
-          <p:cNvPr id="4" name="Picture 3">
-            <a:extLst>
-              <a:ext uri="{FF2B5EF4-FFF2-40B4-BE49-F238E27FC236}">
-                <a16:creationId xmlns:a16="http://schemas.microsoft.com/office/drawing/2014/main" id="{170A462A-268A-474A-BFDA-0672C99C62F0}"/>
-              </a:ext>
-            </a:extLst>
-          </p:cNvPr>
+          <p:cNvPr id="5122" name="Picture 2"/>
           <p:cNvPicPr>
-            <a:picLocks noChangeAspect="1"/>
+            <a:picLocks noChangeAspect="1" noChangeArrowheads="1"/>
           </p:cNvPicPr>
           <p:nvPr/>
         </p:nvPicPr>
         <p:blipFill>
-          <a:blip r:embed="rId2"/>
+          <a:blip r:embed="rId2">
+            <a:extLst>
+              <a:ext uri="{28A0092B-C50C-407E-A947-70E740481C1C}">
+                <a14:useLocalDpi xmlns:a14="http://schemas.microsoft.com/office/drawing/2010/main" val="0"/>
+              </a:ext>
+            </a:extLst>
+          </a:blip>
+          <a:srcRect/>
           <a:stretch>
             <a:fillRect/>
           </a:stretch>
         </p:blipFill>
-        <p:spPr>
+        <p:spPr bwMode="auto">
           <a:xfrm>
-            <a:off x="1134811" y="1474773"/>
-            <a:ext cx="9922377" cy="5209248"/>
+            <a:off x="847724" y="1640085"/>
+            <a:ext cx="10096501" cy="5094089"/>
           </a:xfrm>
           <a:prstGeom prst="rect">
             <a:avLst/>
           </a:prstGeom>
+          <a:noFill/>
+          <a:ln>
+            <a:noFill/>
+          </a:ln>
+          <a:effectLst/>
+          <a:extLst>
+            <a:ext uri="{909E8E84-426E-40DD-AFC4-6F175D3DCCD1}">
+              <a14:hiddenFill xmlns:a14="http://schemas.microsoft.com/office/drawing/2010/main">
+                <a:solidFill>
+                  <a:schemeClr val="accent1"/>
+                </a:solidFill>
+              </a14:hiddenFill>
+            </a:ext>
+            <a:ext uri="{91240B29-F687-4F45-9708-019B960494DF}">
+              <a14:hiddenLine xmlns:a14="http://schemas.microsoft.com/office/drawing/2010/main" w="9525">
+                <a:solidFill>
+                  <a:schemeClr val="tx1"/>
+                </a:solidFill>
+                <a:miter lim="800000"/>
+                <a:headEnd/>
+                <a:tailEnd/>
+              </a14:hiddenLine>
+            </a:ext>
+            <a:ext uri="{AF507438-7753-43E0-B8FC-AC1667EBCBE1}">
+              <a14:hiddenEffects xmlns:a14="http://schemas.microsoft.com/office/drawing/2010/main">
+                <a:effectLst>
+                  <a:outerShdw dist="35921" dir="2700000" algn="ctr" rotWithShape="0">
+                    <a:schemeClr val="bg2"/>
+                  </a:outerShdw>
+                </a:effectLst>
+              </a14:hiddenEffects>
+            </a:ext>
+          </a:extLst>
         </p:spPr>
       </p:pic>
     </p:spTree>
@@ -5242,32 +5492,66 @@
       </p:grpSpPr>
       <p:pic>
         <p:nvPicPr>
-          <p:cNvPr id="3" name="Picture 2">
-            <a:extLst>
-              <a:ext uri="{FF2B5EF4-FFF2-40B4-BE49-F238E27FC236}">
-                <a16:creationId xmlns:a16="http://schemas.microsoft.com/office/drawing/2014/main" id="{23254C3D-DA9A-4FAB-B69C-C39691446039}"/>
-              </a:ext>
-            </a:extLst>
-          </p:cNvPr>
+          <p:cNvPr id="6146" name="Picture 2"/>
           <p:cNvPicPr>
-            <a:picLocks noChangeAspect="1"/>
+            <a:picLocks noChangeAspect="1" noChangeArrowheads="1"/>
           </p:cNvPicPr>
           <p:nvPr/>
         </p:nvPicPr>
         <p:blipFill>
-          <a:blip r:embed="rId2"/>
+          <a:blip r:embed="rId2">
+            <a:extLst>
+              <a:ext uri="{28A0092B-C50C-407E-A947-70E740481C1C}">
+                <a14:useLocalDpi xmlns:a14="http://schemas.microsoft.com/office/drawing/2010/main" val="0"/>
+              </a:ext>
+            </a:extLst>
+          </a:blip>
+          <a:srcRect/>
           <a:stretch>
             <a:fillRect/>
           </a:stretch>
         </p:blipFill>
-        <p:spPr>
+        <p:spPr bwMode="auto">
           <a:xfrm>
-            <a:off x="566443" y="574536"/>
-            <a:ext cx="10899972" cy="5688700"/>
+            <a:off x="1228724" y="587812"/>
+            <a:ext cx="10106025" cy="5431988"/>
           </a:xfrm>
           <a:prstGeom prst="rect">
             <a:avLst/>
           </a:prstGeom>
+          <a:noFill/>
+          <a:ln>
+            <a:noFill/>
+          </a:ln>
+          <a:effectLst/>
+          <a:extLst>
+            <a:ext uri="{909E8E84-426E-40DD-AFC4-6F175D3DCCD1}">
+              <a14:hiddenFill xmlns:a14="http://schemas.microsoft.com/office/drawing/2010/main">
+                <a:solidFill>
+                  <a:schemeClr val="accent1"/>
+                </a:solidFill>
+              </a14:hiddenFill>
+            </a:ext>
+            <a:ext uri="{91240B29-F687-4F45-9708-019B960494DF}">
+              <a14:hiddenLine xmlns:a14="http://schemas.microsoft.com/office/drawing/2010/main" w="9525">
+                <a:solidFill>
+                  <a:schemeClr val="tx1"/>
+                </a:solidFill>
+                <a:miter lim="800000"/>
+                <a:headEnd/>
+                <a:tailEnd/>
+              </a14:hiddenLine>
+            </a:ext>
+            <a:ext uri="{AF507438-7753-43E0-B8FC-AC1667EBCBE1}">
+              <a14:hiddenEffects xmlns:a14="http://schemas.microsoft.com/office/drawing/2010/main">
+                <a:effectLst>
+                  <a:outerShdw dist="35921" dir="2700000" algn="ctr" rotWithShape="0">
+                    <a:schemeClr val="bg2"/>
+                  </a:outerShdw>
+                </a:effectLst>
+              </a14:hiddenEffects>
+            </a:ext>
+          </a:extLst>
         </p:spPr>
       </p:pic>
     </p:spTree>
@@ -5302,32 +5586,66 @@
       </p:grpSpPr>
       <p:pic>
         <p:nvPicPr>
-          <p:cNvPr id="3" name="Picture 2">
-            <a:extLst>
-              <a:ext uri="{FF2B5EF4-FFF2-40B4-BE49-F238E27FC236}">
-                <a16:creationId xmlns:a16="http://schemas.microsoft.com/office/drawing/2014/main" id="{95C60FD8-A28E-411E-BD44-BA23E1C69726}"/>
-              </a:ext>
-            </a:extLst>
-          </p:cNvPr>
+          <p:cNvPr id="7170" name="Picture 2"/>
           <p:cNvPicPr>
-            <a:picLocks noChangeAspect="1"/>
+            <a:picLocks noChangeAspect="1" noChangeArrowheads="1"/>
           </p:cNvPicPr>
           <p:nvPr/>
         </p:nvPicPr>
         <p:blipFill>
-          <a:blip r:embed="rId2"/>
+          <a:blip r:embed="rId2">
+            <a:extLst>
+              <a:ext uri="{28A0092B-C50C-407E-A947-70E740481C1C}">
+                <a14:useLocalDpi xmlns:a14="http://schemas.microsoft.com/office/drawing/2010/main" val="0"/>
+              </a:ext>
+            </a:extLst>
+          </a:blip>
+          <a:srcRect/>
           <a:stretch>
             <a:fillRect/>
           </a:stretch>
         </p:blipFill>
-        <p:spPr>
+        <p:spPr bwMode="auto">
           <a:xfrm>
-            <a:off x="1060056" y="592741"/>
-            <a:ext cx="10249912" cy="5381204"/>
+            <a:off x="952500" y="1003458"/>
+            <a:ext cx="10001250" cy="5375672"/>
           </a:xfrm>
           <a:prstGeom prst="rect">
             <a:avLst/>
           </a:prstGeom>
+          <a:noFill/>
+          <a:ln>
+            <a:noFill/>
+          </a:ln>
+          <a:effectLst/>
+          <a:extLst>
+            <a:ext uri="{909E8E84-426E-40DD-AFC4-6F175D3DCCD1}">
+              <a14:hiddenFill xmlns:a14="http://schemas.microsoft.com/office/drawing/2010/main">
+                <a:solidFill>
+                  <a:schemeClr val="accent1"/>
+                </a:solidFill>
+              </a14:hiddenFill>
+            </a:ext>
+            <a:ext uri="{91240B29-F687-4F45-9708-019B960494DF}">
+              <a14:hiddenLine xmlns:a14="http://schemas.microsoft.com/office/drawing/2010/main" w="9525">
+                <a:solidFill>
+                  <a:schemeClr val="tx1"/>
+                </a:solidFill>
+                <a:miter lim="800000"/>
+                <a:headEnd/>
+                <a:tailEnd/>
+              </a14:hiddenLine>
+            </a:ext>
+            <a:ext uri="{AF507438-7753-43E0-B8FC-AC1667EBCBE1}">
+              <a14:hiddenEffects xmlns:a14="http://schemas.microsoft.com/office/drawing/2010/main">
+                <a:effectLst>
+                  <a:outerShdw dist="35921" dir="2700000" algn="ctr" rotWithShape="0">
+                    <a:schemeClr val="bg2"/>
+                  </a:outerShdw>
+                </a:effectLst>
+              </a14:hiddenEffects>
+            </a:ext>
+          </a:extLst>
         </p:spPr>
       </p:pic>
     </p:spTree>
@@ -5362,34 +5680,129 @@
       </p:grpSpPr>
       <p:pic>
         <p:nvPicPr>
-          <p:cNvPr id="3" name="Picture 2">
-            <a:extLst>
-              <a:ext uri="{FF2B5EF4-FFF2-40B4-BE49-F238E27FC236}">
-                <a16:creationId xmlns:a16="http://schemas.microsoft.com/office/drawing/2014/main" id="{106A424D-52F6-435C-B5CD-DFC4AC9091DD}"/>
-              </a:ext>
-            </a:extLst>
-          </p:cNvPr>
+          <p:cNvPr id="8194" name="Picture 2"/>
           <p:cNvPicPr>
-            <a:picLocks noChangeAspect="1"/>
+            <a:picLocks noChangeAspect="1" noChangeArrowheads="1"/>
           </p:cNvPicPr>
           <p:nvPr/>
         </p:nvPicPr>
         <p:blipFill>
-          <a:blip r:embed="rId2"/>
+          <a:blip r:embed="rId2">
+            <a:extLst>
+              <a:ext uri="{28A0092B-C50C-407E-A947-70E740481C1C}">
+                <a14:useLocalDpi xmlns:a14="http://schemas.microsoft.com/office/drawing/2010/main" val="0"/>
+              </a:ext>
+            </a:extLst>
+          </a:blip>
+          <a:srcRect/>
           <a:stretch>
             <a:fillRect/>
           </a:stretch>
         </p:blipFill>
-        <p:spPr>
+        <p:spPr bwMode="auto">
           <a:xfrm>
-            <a:off x="971045" y="592741"/>
-            <a:ext cx="10460304" cy="5491660"/>
+            <a:off x="990600" y="1714500"/>
+            <a:ext cx="10001250" cy="4457699"/>
           </a:xfrm>
           <a:prstGeom prst="rect">
             <a:avLst/>
           </a:prstGeom>
+          <a:noFill/>
+          <a:ln>
+            <a:noFill/>
+          </a:ln>
+          <a:effectLst/>
+          <a:extLst>
+            <a:ext uri="{909E8E84-426E-40DD-AFC4-6F175D3DCCD1}">
+              <a14:hiddenFill xmlns:a14="http://schemas.microsoft.com/office/drawing/2010/main">
+                <a:solidFill>
+                  <a:schemeClr val="accent1"/>
+                </a:solidFill>
+              </a14:hiddenFill>
+            </a:ext>
+            <a:ext uri="{91240B29-F687-4F45-9708-019B960494DF}">
+              <a14:hiddenLine xmlns:a14="http://schemas.microsoft.com/office/drawing/2010/main" w="9525">
+                <a:solidFill>
+                  <a:schemeClr val="tx1"/>
+                </a:solidFill>
+                <a:miter lim="800000"/>
+                <a:headEnd/>
+                <a:tailEnd/>
+              </a14:hiddenLine>
+            </a:ext>
+            <a:ext uri="{AF507438-7753-43E0-B8FC-AC1667EBCBE1}">
+              <a14:hiddenEffects xmlns:a14="http://schemas.microsoft.com/office/drawing/2010/main">
+                <a:effectLst>
+                  <a:outerShdw dist="35921" dir="2700000" algn="ctr" rotWithShape="0">
+                    <a:schemeClr val="bg2"/>
+                  </a:outerShdw>
+                </a:effectLst>
+              </a14:hiddenEffects>
+            </a:ext>
+          </a:extLst>
         </p:spPr>
       </p:pic>
+      <p:sp>
+        <p:nvSpPr>
+          <p:cNvPr id="7" name="Title 6"/>
+          <p:cNvSpPr>
+            <a:spLocks noGrp="1"/>
+          </p:cNvSpPr>
+          <p:nvPr>
+            <p:ph type="title"/>
+          </p:nvPr>
+        </p:nvSpPr>
+        <p:spPr>
+          <a:xfrm>
+            <a:off x="838200" y="365125"/>
+            <a:ext cx="10515600" cy="968375"/>
+          </a:xfrm>
+        </p:spPr>
+        <p:txBody>
+          <a:bodyPr>
+            <a:normAutofit/>
+          </a:bodyPr>
+          <a:lstStyle/>
+          <a:p>
+            <a:r>
+              <a:rPr lang="en-US" b="1" dirty="0" smtClean="0">
+                <a:latin typeface="Times New Roman" panose="02020603050405020304" pitchFamily="18" charset="0"/>
+                <a:cs typeface="Times New Roman" panose="02020603050405020304" pitchFamily="18" charset="0"/>
+              </a:rPr>
+              <a:t>Staff Data </a:t>
+            </a:r>
+            <a:r>
+              <a:rPr lang="en-US" b="1" dirty="0">
+                <a:latin typeface="Times New Roman" panose="02020603050405020304" pitchFamily="18" charset="0"/>
+                <a:cs typeface="Times New Roman" panose="02020603050405020304" pitchFamily="18" charset="0"/>
+              </a:rPr>
+              <a:t>S</a:t>
+            </a:r>
+            <a:r>
+              <a:rPr lang="en-US" b="1" dirty="0" smtClean="0">
+                <a:latin typeface="Times New Roman" panose="02020603050405020304" pitchFamily="18" charset="0"/>
+                <a:cs typeface="Times New Roman" panose="02020603050405020304" pitchFamily="18" charset="0"/>
+              </a:rPr>
+              <a:t>tored </a:t>
+            </a:r>
+            <a:r>
+              <a:rPr lang="en-US" b="1" dirty="0">
+                <a:latin typeface="Times New Roman" panose="02020603050405020304" pitchFamily="18" charset="0"/>
+                <a:cs typeface="Times New Roman" panose="02020603050405020304" pitchFamily="18" charset="0"/>
+              </a:rPr>
+              <a:t>I</a:t>
+            </a:r>
+            <a:r>
+              <a:rPr lang="en-US" b="1" dirty="0" smtClean="0">
+                <a:latin typeface="Times New Roman" panose="02020603050405020304" pitchFamily="18" charset="0"/>
+                <a:cs typeface="Times New Roman" panose="02020603050405020304" pitchFamily="18" charset="0"/>
+              </a:rPr>
+              <a:t>n Database</a:t>
+            </a:r>
+            <a:endParaRPr lang="en-IN" dirty="0"/>
+          </a:p>
+        </p:txBody>
+      </p:sp>
     </p:spTree>
     <p:extLst>
       <p:ext uri="{BB962C8B-B14F-4D97-AF65-F5344CB8AC3E}">
@@ -5425,7 +5838,7 @@
           <p:cNvPr id="2" name="Title 1">
             <a:extLst>
               <a:ext uri="{FF2B5EF4-FFF2-40B4-BE49-F238E27FC236}">
-                <a16:creationId xmlns:a16="http://schemas.microsoft.com/office/drawing/2014/main" id="{20DDA793-FC74-42A1-8A1F-8379DDCF4667}"/>
+                <a16:creationId xmlns:a16="http://schemas.microsoft.com/office/drawing/2014/main" xmlns="" id="{20DDA793-FC74-42A1-8A1F-8379DDCF4667}"/>
               </a:ext>
             </a:extLst>
           </p:cNvPr>
@@ -5436,13 +5849,23 @@
             <p:ph type="title"/>
           </p:nvPr>
         </p:nvSpPr>
-        <p:spPr/>
-        <p:txBody>
-          <a:bodyPr/>
-          <a:lstStyle/>
-          <a:p>
-            <a:r>
-              <a:rPr lang="en-US" dirty="0"/>
+        <p:spPr>
+          <a:xfrm>
+            <a:off x="838200" y="365125"/>
+            <a:ext cx="10515600" cy="1101725"/>
+          </a:xfrm>
+        </p:spPr>
+        <p:txBody>
+          <a:bodyPr>
+            <a:normAutofit/>
+          </a:bodyPr>
+          <a:lstStyle/>
+          <a:p>
+            <a:r>
+              <a:rPr lang="en-US" b="1" dirty="0">
+                <a:latin typeface="Times New Roman" panose="02020603050405020304" pitchFamily="18" charset="0"/>
+                <a:cs typeface="Times New Roman" panose="02020603050405020304" pitchFamily="18" charset="0"/>
+              </a:rPr>
               <a:t>ADD CLASSLIST</a:t>
             </a:r>
           </a:p>
@@ -5450,32 +5873,66 @@
       </p:sp>
       <p:pic>
         <p:nvPicPr>
-          <p:cNvPr id="4" name="Picture 3">
-            <a:extLst>
-              <a:ext uri="{FF2B5EF4-FFF2-40B4-BE49-F238E27FC236}">
-                <a16:creationId xmlns:a16="http://schemas.microsoft.com/office/drawing/2014/main" id="{2AE6A37B-5BE8-4B45-95A3-7C085D182800}"/>
-              </a:ext>
-            </a:extLst>
-          </p:cNvPr>
+          <p:cNvPr id="9218" name="Picture 2"/>
           <p:cNvPicPr>
-            <a:picLocks noChangeAspect="1"/>
+            <a:picLocks noChangeAspect="1" noChangeArrowheads="1"/>
           </p:cNvPicPr>
           <p:nvPr/>
         </p:nvPicPr>
         <p:blipFill>
-          <a:blip r:embed="rId2"/>
+          <a:blip r:embed="rId2">
+            <a:extLst>
+              <a:ext uri="{28A0092B-C50C-407E-A947-70E740481C1C}">
+                <a14:useLocalDpi xmlns:a14="http://schemas.microsoft.com/office/drawing/2010/main" val="0"/>
+              </a:ext>
+            </a:extLst>
+          </a:blip>
+          <a:srcRect/>
           <a:stretch>
             <a:fillRect/>
           </a:stretch>
         </p:blipFill>
-        <p:spPr>
+        <p:spPr bwMode="auto">
           <a:xfrm>
-            <a:off x="1092425" y="1746785"/>
-            <a:ext cx="10074584" cy="4484808"/>
+            <a:off x="1304925" y="1575054"/>
+            <a:ext cx="9286875" cy="4987672"/>
           </a:xfrm>
           <a:prstGeom prst="rect">
             <a:avLst/>
           </a:prstGeom>
+          <a:noFill/>
+          <a:ln>
+            <a:noFill/>
+          </a:ln>
+          <a:effectLst/>
+          <a:extLst>
+            <a:ext uri="{909E8E84-426E-40DD-AFC4-6F175D3DCCD1}">
+              <a14:hiddenFill xmlns:a14="http://schemas.microsoft.com/office/drawing/2010/main">
+                <a:solidFill>
+                  <a:schemeClr val="accent1"/>
+                </a:solidFill>
+              </a14:hiddenFill>
+            </a:ext>
+            <a:ext uri="{91240B29-F687-4F45-9708-019B960494DF}">
+              <a14:hiddenLine xmlns:a14="http://schemas.microsoft.com/office/drawing/2010/main" w="9525">
+                <a:solidFill>
+                  <a:schemeClr val="tx1"/>
+                </a:solidFill>
+                <a:miter lim="800000"/>
+                <a:headEnd/>
+                <a:tailEnd/>
+              </a14:hiddenLine>
+            </a:ext>
+            <a:ext uri="{AF507438-7753-43E0-B8FC-AC1667EBCBE1}">
+              <a14:hiddenEffects xmlns:a14="http://schemas.microsoft.com/office/drawing/2010/main">
+                <a:effectLst>
+                  <a:outerShdw dist="35921" dir="2700000" algn="ctr" rotWithShape="0">
+                    <a:schemeClr val="bg2"/>
+                  </a:outerShdw>
+                </a:effectLst>
+              </a14:hiddenEffects>
+            </a:ext>
+          </a:extLst>
         </p:spPr>
       </p:pic>
     </p:spTree>
@@ -5510,32 +5967,66 @@
       </p:grpSpPr>
       <p:pic>
         <p:nvPicPr>
-          <p:cNvPr id="4" name="Picture 3">
-            <a:extLst>
-              <a:ext uri="{FF2B5EF4-FFF2-40B4-BE49-F238E27FC236}">
-                <a16:creationId xmlns:a16="http://schemas.microsoft.com/office/drawing/2014/main" id="{597353E8-6FEE-41BF-AF97-F95F27EDA116}"/>
-              </a:ext>
-            </a:extLst>
-          </p:cNvPr>
+          <p:cNvPr id="10242" name="Picture 2"/>
           <p:cNvPicPr>
-            <a:picLocks noChangeAspect="1"/>
+            <a:picLocks noChangeAspect="1" noChangeArrowheads="1"/>
           </p:cNvPicPr>
           <p:nvPr/>
         </p:nvPicPr>
         <p:blipFill>
-          <a:blip r:embed="rId2"/>
+          <a:blip r:embed="rId2">
+            <a:extLst>
+              <a:ext uri="{28A0092B-C50C-407E-A947-70E740481C1C}">
+                <a14:useLocalDpi xmlns:a14="http://schemas.microsoft.com/office/drawing/2010/main" val="0"/>
+              </a:ext>
+            </a:extLst>
+          </a:blip>
+          <a:srcRect/>
           <a:stretch>
             <a:fillRect/>
           </a:stretch>
         </p:blipFill>
-        <p:spPr>
+        <p:spPr bwMode="auto">
           <a:xfrm>
-            <a:off x="784541" y="509798"/>
-            <a:ext cx="10808648" cy="5674540"/>
+            <a:off x="800100" y="662583"/>
+            <a:ext cx="10387565" cy="5583316"/>
           </a:xfrm>
           <a:prstGeom prst="rect">
             <a:avLst/>
           </a:prstGeom>
+          <a:noFill/>
+          <a:ln>
+            <a:noFill/>
+          </a:ln>
+          <a:effectLst/>
+          <a:extLst>
+            <a:ext uri="{909E8E84-426E-40DD-AFC4-6F175D3DCCD1}">
+              <a14:hiddenFill xmlns:a14="http://schemas.microsoft.com/office/drawing/2010/main">
+                <a:solidFill>
+                  <a:schemeClr val="accent1"/>
+                </a:solidFill>
+              </a14:hiddenFill>
+            </a:ext>
+            <a:ext uri="{91240B29-F687-4F45-9708-019B960494DF}">
+              <a14:hiddenLine xmlns:a14="http://schemas.microsoft.com/office/drawing/2010/main" w="9525">
+                <a:solidFill>
+                  <a:schemeClr val="tx1"/>
+                </a:solidFill>
+                <a:miter lim="800000"/>
+                <a:headEnd/>
+                <a:tailEnd/>
+              </a14:hiddenLine>
+            </a:ext>
+            <a:ext uri="{AF507438-7753-43E0-B8FC-AC1667EBCBE1}">
+              <a14:hiddenEffects xmlns:a14="http://schemas.microsoft.com/office/drawing/2010/main">
+                <a:effectLst>
+                  <a:outerShdw dist="35921" dir="2700000" algn="ctr" rotWithShape="0">
+                    <a:schemeClr val="bg2"/>
+                  </a:outerShdw>
+                </a:effectLst>
+              </a14:hiddenEffects>
+            </a:ext>
+          </a:extLst>
         </p:spPr>
       </p:pic>
     </p:spTree>
@@ -5570,38 +6061,206 @@
       </p:grpSpPr>
       <p:pic>
         <p:nvPicPr>
-          <p:cNvPr id="4" name="Picture 3">
-            <a:extLst>
-              <a:ext uri="{FF2B5EF4-FFF2-40B4-BE49-F238E27FC236}">
-                <a16:creationId xmlns:a16="http://schemas.microsoft.com/office/drawing/2014/main" id="{2691B806-9DCF-4D16-987A-0E769345D07B}"/>
-              </a:ext>
-            </a:extLst>
-          </p:cNvPr>
+          <p:cNvPr id="11266" name="Picture 2"/>
           <p:cNvPicPr>
-            <a:picLocks noChangeAspect="1"/>
+            <a:picLocks noChangeAspect="1" noChangeArrowheads="1"/>
           </p:cNvPicPr>
           <p:nvPr/>
         </p:nvPicPr>
         <p:blipFill>
-          <a:blip r:embed="rId2"/>
+          <a:blip r:embed="rId2">
+            <a:extLst>
+              <a:ext uri="{28A0092B-C50C-407E-A947-70E740481C1C}">
+                <a14:useLocalDpi xmlns:a14="http://schemas.microsoft.com/office/drawing/2010/main" val="0"/>
+              </a:ext>
+            </a:extLst>
+          </a:blip>
+          <a:srcRect/>
           <a:stretch>
             <a:fillRect/>
           </a:stretch>
         </p:blipFill>
-        <p:spPr>
+        <p:spPr bwMode="auto">
           <a:xfrm>
-            <a:off x="1047918" y="536097"/>
-            <a:ext cx="10096163" cy="5300486"/>
+            <a:off x="845287" y="590550"/>
+            <a:ext cx="10270388" cy="5438775"/>
           </a:xfrm>
           <a:prstGeom prst="rect">
             <a:avLst/>
           </a:prstGeom>
+          <a:noFill/>
+          <a:ln>
+            <a:noFill/>
+          </a:ln>
+          <a:effectLst/>
+          <a:extLst>
+            <a:ext uri="{909E8E84-426E-40DD-AFC4-6F175D3DCCD1}">
+              <a14:hiddenFill xmlns:a14="http://schemas.microsoft.com/office/drawing/2010/main">
+                <a:solidFill>
+                  <a:schemeClr val="accent1"/>
+                </a:solidFill>
+              </a14:hiddenFill>
+            </a:ext>
+            <a:ext uri="{91240B29-F687-4F45-9708-019B960494DF}">
+              <a14:hiddenLine xmlns:a14="http://schemas.microsoft.com/office/drawing/2010/main" w="9525">
+                <a:solidFill>
+                  <a:schemeClr val="tx1"/>
+                </a:solidFill>
+                <a:miter lim="800000"/>
+                <a:headEnd/>
+                <a:tailEnd/>
+              </a14:hiddenLine>
+            </a:ext>
+            <a:ext uri="{AF507438-7753-43E0-B8FC-AC1667EBCBE1}">
+              <a14:hiddenEffects xmlns:a14="http://schemas.microsoft.com/office/drawing/2010/main">
+                <a:effectLst>
+                  <a:outerShdw dist="35921" dir="2700000" algn="ctr" rotWithShape="0">
+                    <a:schemeClr val="bg2"/>
+                  </a:outerShdw>
+                </a:effectLst>
+              </a14:hiddenEffects>
+            </a:ext>
+          </a:extLst>
         </p:spPr>
       </p:pic>
     </p:spTree>
     <p:extLst>
       <p:ext uri="{BB962C8B-B14F-4D97-AF65-F5344CB8AC3E}">
         <p14:creationId xmlns:p14="http://schemas.microsoft.com/office/powerpoint/2010/main" val="636861620"/>
+      </p:ext>
+    </p:extLst>
+  </p:cSld>
+  <p:clrMapOvr>
+    <a:masterClrMapping/>
+  </p:clrMapOvr>
+</p:sld>
+</file>
+
+<file path=ppt/slides/slide28.xml><?xml version="1.0" encoding="utf-8"?>
+<p:sld xmlns:a="http://schemas.openxmlformats.org/drawingml/2006/main" xmlns:r="http://schemas.openxmlformats.org/officeDocument/2006/relationships" xmlns:p="http://schemas.openxmlformats.org/presentationml/2006/main">
+  <p:cSld>
+    <p:spTree>
+      <p:nvGrpSpPr>
+        <p:cNvPr id="1" name=""/>
+        <p:cNvGrpSpPr/>
+        <p:nvPr/>
+      </p:nvGrpSpPr>
+      <p:grpSpPr>
+        <a:xfrm>
+          <a:off x="0" y="0"/>
+          <a:ext cx="0" cy="0"/>
+          <a:chOff x="0" y="0"/>
+          <a:chExt cx="0" cy="0"/>
+        </a:xfrm>
+      </p:grpSpPr>
+      <p:pic>
+        <p:nvPicPr>
+          <p:cNvPr id="12290" name="Picture 2"/>
+          <p:cNvPicPr>
+            <a:picLocks noChangeAspect="1" noChangeArrowheads="1"/>
+          </p:cNvPicPr>
+          <p:nvPr/>
+        </p:nvPicPr>
+        <p:blipFill>
+          <a:blip r:embed="rId2">
+            <a:extLst>
+              <a:ext uri="{28A0092B-C50C-407E-A947-70E740481C1C}">
+                <a14:useLocalDpi xmlns:a14="http://schemas.microsoft.com/office/drawing/2010/main" val="0"/>
+              </a:ext>
+            </a:extLst>
+          </a:blip>
+          <a:srcRect/>
+          <a:stretch>
+            <a:fillRect/>
+          </a:stretch>
+        </p:blipFill>
+        <p:spPr bwMode="auto">
+          <a:xfrm>
+            <a:off x="752475" y="1181457"/>
+            <a:ext cx="10687050" cy="5114568"/>
+          </a:xfrm>
+          <a:prstGeom prst="rect">
+            <a:avLst/>
+          </a:prstGeom>
+          <a:noFill/>
+          <a:ln>
+            <a:noFill/>
+          </a:ln>
+          <a:effectLst/>
+          <a:extLst>
+            <a:ext uri="{909E8E84-426E-40DD-AFC4-6F175D3DCCD1}">
+              <a14:hiddenFill xmlns:a14="http://schemas.microsoft.com/office/drawing/2010/main">
+                <a:solidFill>
+                  <a:schemeClr val="accent1"/>
+                </a:solidFill>
+              </a14:hiddenFill>
+            </a:ext>
+            <a:ext uri="{91240B29-F687-4F45-9708-019B960494DF}">
+              <a14:hiddenLine xmlns:a14="http://schemas.microsoft.com/office/drawing/2010/main" w="9525">
+                <a:solidFill>
+                  <a:schemeClr val="tx1"/>
+                </a:solidFill>
+                <a:miter lim="800000"/>
+                <a:headEnd/>
+                <a:tailEnd/>
+              </a14:hiddenLine>
+            </a:ext>
+            <a:ext uri="{AF507438-7753-43E0-B8FC-AC1667EBCBE1}">
+              <a14:hiddenEffects xmlns:a14="http://schemas.microsoft.com/office/drawing/2010/main">
+                <a:effectLst>
+                  <a:outerShdw dist="35921" dir="2700000" algn="ctr" rotWithShape="0">
+                    <a:schemeClr val="bg2"/>
+                  </a:outerShdw>
+                </a:effectLst>
+              </a14:hiddenEffects>
+            </a:ext>
+          </a:extLst>
+        </p:spPr>
+      </p:pic>
+      <p:sp>
+        <p:nvSpPr>
+          <p:cNvPr id="2" name="Title 1"/>
+          <p:cNvSpPr>
+            <a:spLocks noGrp="1"/>
+          </p:cNvSpPr>
+          <p:nvPr>
+            <p:ph type="title"/>
+          </p:nvPr>
+        </p:nvSpPr>
+        <p:spPr>
+          <a:xfrm>
+            <a:off x="752475" y="365125"/>
+            <a:ext cx="10515600" cy="949325"/>
+          </a:xfrm>
+        </p:spPr>
+        <p:txBody>
+          <a:bodyPr>
+            <a:normAutofit fontScale="90000"/>
+          </a:bodyPr>
+          <a:lstStyle/>
+          <a:p>
+            <a:r>
+              <a:rPr lang="en-US" b="1" dirty="0" smtClean="0">
+                <a:latin typeface="Times New Roman" panose="02020603050405020304" pitchFamily="18" charset="0"/>
+                <a:cs typeface="Times New Roman" panose="02020603050405020304" pitchFamily="18" charset="0"/>
+              </a:rPr>
+              <a:t>Classroom And Lab Details Stored </a:t>
+            </a:r>
+            <a:r>
+              <a:rPr lang="en-US" b="1" dirty="0">
+                <a:latin typeface="Times New Roman" panose="02020603050405020304" pitchFamily="18" charset="0"/>
+                <a:cs typeface="Times New Roman" panose="02020603050405020304" pitchFamily="18" charset="0"/>
+              </a:rPr>
+              <a:t>In Database</a:t>
+            </a:r>
+            <a:endParaRPr lang="en-IN" dirty="0"/>
+          </a:p>
+        </p:txBody>
+      </p:sp>
+    </p:spTree>
+    <p:extLst>
+      <p:ext uri="{BB962C8B-B14F-4D97-AF65-F5344CB8AC3E}">
+        <p14:creationId xmlns:p14="http://schemas.microsoft.com/office/powerpoint/2010/main" val="3287411177"/>
       </p:ext>
     </p:extLst>
   </p:cSld>
@@ -5633,7 +6292,7 @@
           <p:cNvPr id="2" name="Title 1">
             <a:extLst>
               <a:ext uri="{FF2B5EF4-FFF2-40B4-BE49-F238E27FC236}">
-                <a16:creationId xmlns:a16="http://schemas.microsoft.com/office/drawing/2014/main" id="{7F9823B3-0C67-4CB5-BBA1-F50A3C69E4B8}"/>
+                <a16:creationId xmlns:a16="http://schemas.microsoft.com/office/drawing/2014/main" xmlns="" id="{7F9823B3-0C67-4CB5-BBA1-F50A3C69E4B8}"/>
               </a:ext>
             </a:extLst>
           </p:cNvPr>
@@ -5668,7 +6327,7 @@
           <p:cNvPr id="3" name="Content Placeholder 2">
             <a:extLst>
               <a:ext uri="{FF2B5EF4-FFF2-40B4-BE49-F238E27FC236}">
-                <a16:creationId xmlns:a16="http://schemas.microsoft.com/office/drawing/2014/main" id="{228A246E-D8BD-4DAF-A82E-D2B9D8ED377F}"/>
+                <a16:creationId xmlns:a16="http://schemas.microsoft.com/office/drawing/2014/main" xmlns="" id="{228A246E-D8BD-4DAF-A82E-D2B9D8ED377F}"/>
               </a:ext>
             </a:extLst>
           </p:cNvPr>
@@ -5765,6 +6424,13 @@
               </a:lnSpc>
               <a:buNone/>
             </a:pPr>
+            <a:r>
+              <a:rPr lang="en-US" sz="2000" dirty="0">
+                <a:latin typeface="Times New Roman" panose="02020603050405020304" pitchFamily="18" charset="0"/>
+                <a:cs typeface="Times New Roman" panose="02020603050405020304" pitchFamily="18" charset="0"/>
+              </a:rPr>
+              <a:t/>
+            </a:r>
             <a:br>
               <a:rPr lang="en-US" sz="2000" dirty="0">
                 <a:latin typeface="Times New Roman" panose="02020603050405020304" pitchFamily="18" charset="0"/>
@@ -5813,7 +6479,7 @@
           <p:cNvPr id="2" name="Title 1">
             <a:extLst>
               <a:ext uri="{FF2B5EF4-FFF2-40B4-BE49-F238E27FC236}">
-                <a16:creationId xmlns:a16="http://schemas.microsoft.com/office/drawing/2014/main" id="{CCDCF4DD-A1C0-41CB-9245-103029461A29}"/>
+                <a16:creationId xmlns:a16="http://schemas.microsoft.com/office/drawing/2014/main" xmlns="" id="{CCDCF4DD-A1C0-41CB-9245-103029461A29}"/>
               </a:ext>
             </a:extLst>
           </p:cNvPr>
@@ -5864,7 +6530,7 @@
           <p:cNvPr id="3" name="Content Placeholder 2">
             <a:extLst>
               <a:ext uri="{FF2B5EF4-FFF2-40B4-BE49-F238E27FC236}">
-                <a16:creationId xmlns:a16="http://schemas.microsoft.com/office/drawing/2014/main" id="{C2B1590E-19C7-413E-B755-473BC23CB06C}"/>
+                <a16:creationId xmlns:a16="http://schemas.microsoft.com/office/drawing/2014/main" xmlns="" id="{C2B1590E-19C7-413E-B755-473BC23CB06C}"/>
               </a:ext>
             </a:extLst>
           </p:cNvPr>
@@ -6114,6 +6780,13 @@
               </a:lnSpc>
               <a:buNone/>
             </a:pPr>
+            <a:r>
+              <a:rPr lang="en-US" sz="1600" dirty="0">
+                <a:latin typeface="Times New Roman" panose="02020603050405020304" pitchFamily="18" charset="0"/>
+                <a:cs typeface="Times New Roman" panose="02020603050405020304" pitchFamily="18" charset="0"/>
+              </a:rPr>
+              <a:t/>
+            </a:r>
             <a:br>
               <a:rPr lang="en-US" sz="1600" dirty="0">
                 <a:latin typeface="Times New Roman" panose="02020603050405020304" pitchFamily="18" charset="0"/>
@@ -6162,7 +6835,7 @@
           <p:cNvPr id="2" name="Title 1">
             <a:extLst>
               <a:ext uri="{FF2B5EF4-FFF2-40B4-BE49-F238E27FC236}">
-                <a16:creationId xmlns:a16="http://schemas.microsoft.com/office/drawing/2014/main" id="{CA5787BC-18CF-420A-A3E3-6DFA1CB8B553}"/>
+                <a16:creationId xmlns:a16="http://schemas.microsoft.com/office/drawing/2014/main" xmlns="" id="{CA5787BC-18CF-420A-A3E3-6DFA1CB8B553}"/>
               </a:ext>
             </a:extLst>
           </p:cNvPr>
@@ -6193,7 +6866,7 @@
           <p:cNvPr id="5" name="Content Placeholder 4">
             <a:extLst>
               <a:ext uri="{FF2B5EF4-FFF2-40B4-BE49-F238E27FC236}">
-                <a16:creationId xmlns:a16="http://schemas.microsoft.com/office/drawing/2014/main" id="{16B2ED02-631E-4A30-B072-2D186B000EAC}"/>
+                <a16:creationId xmlns:a16="http://schemas.microsoft.com/office/drawing/2014/main" xmlns="" id="{16B2ED02-631E-4A30-B072-2D186B000EAC}"/>
               </a:ext>
             </a:extLst>
           </p:cNvPr>
@@ -6258,7 +6931,7 @@
           <p:cNvPr id="2" name="Title 1">
             <a:extLst>
               <a:ext uri="{FF2B5EF4-FFF2-40B4-BE49-F238E27FC236}">
-                <a16:creationId xmlns:a16="http://schemas.microsoft.com/office/drawing/2014/main" id="{DE906317-29C3-4B30-9DC0-8B0CF786F0CF}"/>
+                <a16:creationId xmlns:a16="http://schemas.microsoft.com/office/drawing/2014/main" xmlns="" id="{DE906317-29C3-4B30-9DC0-8B0CF786F0CF}"/>
               </a:ext>
             </a:extLst>
           </p:cNvPr>
@@ -6289,7 +6962,7 @@
           <p:cNvPr id="3" name="Content Placeholder 2">
             <a:extLst>
               <a:ext uri="{FF2B5EF4-FFF2-40B4-BE49-F238E27FC236}">
-                <a16:creationId xmlns:a16="http://schemas.microsoft.com/office/drawing/2014/main" id="{99DFB61F-7665-403E-BE4C-55DD6C915B26}"/>
+                <a16:creationId xmlns:a16="http://schemas.microsoft.com/office/drawing/2014/main" xmlns="" id="{99DFB61F-7665-403E-BE4C-55DD6C915B26}"/>
               </a:ext>
             </a:extLst>
           </p:cNvPr>
@@ -6381,7 +7054,7 @@
           <p:cNvPr id="4" name="Picture 3">
             <a:extLst>
               <a:ext uri="{FF2B5EF4-FFF2-40B4-BE49-F238E27FC236}">
-                <a16:creationId xmlns:a16="http://schemas.microsoft.com/office/drawing/2014/main" id="{A250CDBD-67F6-464A-8E54-90FA88A112B3}"/>
+                <a16:creationId xmlns:a16="http://schemas.microsoft.com/office/drawing/2014/main" xmlns="" id="{A250CDBD-67F6-464A-8E54-90FA88A112B3}"/>
               </a:ext>
             </a:extLst>
           </p:cNvPr>
@@ -6440,7 +7113,7 @@
           <p:cNvPr id="2" name="Title 1">
             <a:extLst>
               <a:ext uri="{FF2B5EF4-FFF2-40B4-BE49-F238E27FC236}">
-                <a16:creationId xmlns:a16="http://schemas.microsoft.com/office/drawing/2014/main" id="{63332FA9-CC20-4FD5-9521-E0CD97F40087}"/>
+                <a16:creationId xmlns:a16="http://schemas.microsoft.com/office/drawing/2014/main" xmlns="" id="{63332FA9-CC20-4FD5-9521-E0CD97F40087}"/>
               </a:ext>
             </a:extLst>
           </p:cNvPr>
@@ -6474,7 +7147,7 @@
           <p:cNvPr id="3" name="Content Placeholder 2">
             <a:extLst>
               <a:ext uri="{FF2B5EF4-FFF2-40B4-BE49-F238E27FC236}">
-                <a16:creationId xmlns:a16="http://schemas.microsoft.com/office/drawing/2014/main" id="{3D7697C2-6D34-4187-A8DF-8D545EB8D2CE}"/>
+                <a16:creationId xmlns:a16="http://schemas.microsoft.com/office/drawing/2014/main" xmlns="" id="{3D7697C2-6D34-4187-A8DF-8D545EB8D2CE}"/>
               </a:ext>
             </a:extLst>
           </p:cNvPr>
@@ -6640,7 +7313,7 @@
           <p:cNvPr id="2" name="Title 1">
             <a:extLst>
               <a:ext uri="{FF2B5EF4-FFF2-40B4-BE49-F238E27FC236}">
-                <a16:creationId xmlns:a16="http://schemas.microsoft.com/office/drawing/2014/main" id="{FCCB66F0-C15A-4CF7-95FD-4041206891D6}"/>
+                <a16:creationId xmlns:a16="http://schemas.microsoft.com/office/drawing/2014/main" xmlns="" id="{FCCB66F0-C15A-4CF7-95FD-4041206891D6}"/>
               </a:ext>
             </a:extLst>
           </p:cNvPr>
@@ -6664,6 +7337,10 @@
                 <a:cs typeface="Times New Roman" panose="02020603050405020304" pitchFamily="18" charset="0"/>
               </a:rPr>
               <a:t>Existing System: Manual Timetable Scheduling</a:t>
+            </a:r>
+            <a:r>
+              <a:rPr lang="en-US" b="1" dirty="0"/>
+              <a:t/>
             </a:r>
             <a:br>
               <a:rPr lang="en-US" b="1" dirty="0"/>
@@ -6677,7 +7354,7 @@
           <p:cNvPr id="3" name="Content Placeholder 2">
             <a:extLst>
               <a:ext uri="{FF2B5EF4-FFF2-40B4-BE49-F238E27FC236}">
-                <a16:creationId xmlns:a16="http://schemas.microsoft.com/office/drawing/2014/main" id="{3CB7B258-252A-47F7-9F10-3C07BEB1A991}"/>
+                <a16:creationId xmlns:a16="http://schemas.microsoft.com/office/drawing/2014/main" xmlns="" id="{3CB7B258-252A-47F7-9F10-3C07BEB1A991}"/>
               </a:ext>
             </a:extLst>
           </p:cNvPr>
@@ -6835,7 +7512,7 @@
           <p:cNvPr id="2" name="Title 1">
             <a:extLst>
               <a:ext uri="{FF2B5EF4-FFF2-40B4-BE49-F238E27FC236}">
-                <a16:creationId xmlns:a16="http://schemas.microsoft.com/office/drawing/2014/main" id="{DA52AF75-FAD6-4EC7-84E7-53B7ABD8DB76}"/>
+                <a16:creationId xmlns:a16="http://schemas.microsoft.com/office/drawing/2014/main" xmlns="" id="{DA52AF75-FAD6-4EC7-84E7-53B7ABD8DB76}"/>
               </a:ext>
             </a:extLst>
           </p:cNvPr>
@@ -6865,6 +7542,10 @@
               </a:rPr>
               <a:t>Solution</a:t>
             </a:r>
+            <a:r>
+              <a:rPr lang="en-US" b="1" dirty="0"/>
+              <a:t/>
+            </a:r>
             <a:br>
               <a:rPr lang="en-US" b="1" dirty="0"/>
             </a:br>
@@ -6877,7 +7558,7 @@
           <p:cNvPr id="3" name="Content Placeholder 2">
             <a:extLst>
               <a:ext uri="{FF2B5EF4-FFF2-40B4-BE49-F238E27FC236}">
-                <a16:creationId xmlns:a16="http://schemas.microsoft.com/office/drawing/2014/main" id="{DF860B57-1C13-451F-81C4-92E5B3FA2D27}"/>
+                <a16:creationId xmlns:a16="http://schemas.microsoft.com/office/drawing/2014/main" xmlns="" id="{DF860B57-1C13-451F-81C4-92E5B3FA2D27}"/>
               </a:ext>
             </a:extLst>
           </p:cNvPr>
@@ -7143,7 +7824,7 @@
     </a:clrScheme>
     <a:fontScheme name="Office">
       <a:majorFont>
-        <a:latin typeface="Calibri Light" panose="020F0302020204030204"/>
+        <a:latin typeface="Calibri Light"/>
         <a:ea typeface=""/>
         <a:cs typeface=""/>
         <a:font script="Jpan" typeface="游ゴシック Light"/>
@@ -7195,7 +7876,7 @@
         <a:font script="Tfng" typeface="Ebrima"/>
       </a:majorFont>
       <a:minorFont>
-        <a:latin typeface="Calibri" panose="020F0502020204030204"/>
+        <a:latin typeface="Calibri"/>
         <a:ea typeface=""/>
         <a:cs typeface=""/>
         <a:font script="Jpan" typeface="游ゴシック"/>
@@ -7389,7 +8070,7 @@
   <a:extraClrSchemeLst/>
   <a:extLst>
     <a:ext uri="{05A4C25C-085E-4340-85A3-A5531E510DB2}">
-      <thm15:themeFamily xmlns:thm15="http://schemas.microsoft.com/office/thememl/2012/main" name="Office Theme" id="{62F939B6-93AF-4DB8-9C6B-D6C7DFDC589F}" vid="{4A3C46E8-61CC-4603-A589-7422A47A8E4A}"/>
+      <thm15:themeFamily xmlns:thm15="http://schemas.microsoft.com/office/thememl/2012/main" xmlns="" name="Office Theme" id="{62F939B6-93AF-4DB8-9C6B-D6C7DFDC589F}" vid="{4A3C46E8-61CC-4603-A589-7422A47A8E4A}"/>
     </a:ext>
   </a:extLst>
 </a:theme>
